--- a/Fraud Detection.pptx
+++ b/Fraud Detection.pptx
@@ -5,10 +5,10 @@
     <p:sldMasterId id="2147483648" r:id="rId4"/>
   </p:sldMasterIdLst>
   <p:notesMasterIdLst>
-    <p:notesMasterId r:id="rId17"/>
+    <p:notesMasterId r:id="rId25"/>
   </p:notesMasterIdLst>
   <p:handoutMasterIdLst>
-    <p:handoutMasterId r:id="rId18"/>
+    <p:handoutMasterId r:id="rId26"/>
   </p:handoutMasterIdLst>
   <p:sldIdLst>
     <p:sldId id="256" r:id="rId5"/>
@@ -18,11 +18,19 @@
     <p:sldId id="287" r:id="rId9"/>
     <p:sldId id="288" r:id="rId10"/>
     <p:sldId id="292" r:id="rId11"/>
-    <p:sldId id="296" r:id="rId12"/>
-    <p:sldId id="289" r:id="rId13"/>
-    <p:sldId id="293" r:id="rId14"/>
-    <p:sldId id="294" r:id="rId15"/>
-    <p:sldId id="295" r:id="rId16"/>
+    <p:sldId id="301" r:id="rId12"/>
+    <p:sldId id="297" r:id="rId13"/>
+    <p:sldId id="296" r:id="rId14"/>
+    <p:sldId id="289" r:id="rId15"/>
+    <p:sldId id="300" r:id="rId16"/>
+    <p:sldId id="293" r:id="rId17"/>
+    <p:sldId id="304" r:id="rId18"/>
+    <p:sldId id="294" r:id="rId19"/>
+    <p:sldId id="298" r:id="rId20"/>
+    <p:sldId id="299" r:id="rId21"/>
+    <p:sldId id="295" r:id="rId22"/>
+    <p:sldId id="302" r:id="rId23"/>
+    <p:sldId id="303" r:id="rId24"/>
   </p:sldIdLst>
   <p:sldSz cx="12192000" cy="6858000"/>
   <p:notesSz cx="6858000" cy="9144000"/>
@@ -237,7 +245,7 @@
           <a:p>
             <a:fld id="{1CA5457B-CDAE-4DEB-AEC8-C82DE2312E37}" type="datetimeFigureOut">
               <a:rPr lang="en-US" smtClean="0"/>
-              <a:t>11/1/2021</a:t>
+              <a:t>11/4/2021</a:t>
             </a:fld>
             <a:endParaRPr lang="en-US" dirty="0"/>
           </a:p>
@@ -414,7 +422,7 @@
           <a:p>
             <a:fld id="{090B78EA-28CE-41D8-9043-90E391E5F567}" type="datetimeFigureOut">
               <a:rPr lang="en-US" noProof="0" smtClean="0"/>
-              <a:t>11/1/2021</a:t>
+              <a:t>11/3/2021</a:t>
             </a:fld>
             <a:endParaRPr lang="en-US" noProof="0" dirty="0"/>
           </a:p>
@@ -25559,6 +25567,502 @@
           <p:cNvPr id="2" name="Title 1">
             <a:extLst>
               <a:ext uri="{FF2B5EF4-FFF2-40B4-BE49-F238E27FC236}">
+                <a16:creationId xmlns:a16="http://schemas.microsoft.com/office/drawing/2014/main" id="{E93B85B6-33BB-45B2-AC3F-CFA045F7171E}"/>
+              </a:ext>
+            </a:extLst>
+          </p:cNvPr>
+          <p:cNvSpPr>
+            <a:spLocks noGrp="1"/>
+          </p:cNvSpPr>
+          <p:nvPr>
+            <p:ph type="title"/>
+          </p:nvPr>
+        </p:nvSpPr>
+        <p:spPr/>
+        <p:txBody>
+          <a:bodyPr/>
+          <a:lstStyle/>
+          <a:p>
+            <a:r>
+              <a:rPr lang="en-US" dirty="0"/>
+              <a:t>Modeling Choice</a:t>
+            </a:r>
+          </a:p>
+        </p:txBody>
+      </p:sp>
+      <p:sp>
+        <p:nvSpPr>
+          <p:cNvPr id="3" name="Slide Number Placeholder 2">
+            <a:extLst>
+              <a:ext uri="{FF2B5EF4-FFF2-40B4-BE49-F238E27FC236}">
+                <a16:creationId xmlns:a16="http://schemas.microsoft.com/office/drawing/2014/main" id="{8E40220B-A43D-438E-9FC3-571BCB4C3734}"/>
+              </a:ext>
+            </a:extLst>
+          </p:cNvPr>
+          <p:cNvSpPr>
+            <a:spLocks noGrp="1"/>
+          </p:cNvSpPr>
+          <p:nvPr>
+            <p:ph type="sldNum" sz="quarter" idx="12"/>
+          </p:nvPr>
+        </p:nvSpPr>
+        <p:spPr/>
+        <p:txBody>
+          <a:bodyPr/>
+          <a:lstStyle/>
+          <a:p>
+            <a:fld id="{C263D6C4-4840-40CC-AC84-17E24B3B7BDE}" type="slidenum">
+              <a:rPr lang="en-US" noProof="0" smtClean="0"/>
+              <a:pPr/>
+              <a:t>10</a:t>
+            </a:fld>
+            <a:endParaRPr lang="en-US" noProof="0" dirty="0"/>
+          </a:p>
+        </p:txBody>
+      </p:sp>
+      <p:sp>
+        <p:nvSpPr>
+          <p:cNvPr id="4" name="Content Placeholder 3">
+            <a:extLst>
+              <a:ext uri="{FF2B5EF4-FFF2-40B4-BE49-F238E27FC236}">
+                <a16:creationId xmlns:a16="http://schemas.microsoft.com/office/drawing/2014/main" id="{D0621FA9-ADE3-4178-B329-A32CDCE1A0A0}"/>
+              </a:ext>
+            </a:extLst>
+          </p:cNvPr>
+          <p:cNvSpPr>
+            <a:spLocks noGrp="1"/>
+          </p:cNvSpPr>
+          <p:nvPr>
+            <p:ph idx="1"/>
+          </p:nvPr>
+        </p:nvSpPr>
+        <p:spPr/>
+        <p:txBody>
+          <a:bodyPr>
+            <a:normAutofit/>
+          </a:bodyPr>
+          <a:lstStyle/>
+          <a:p>
+            <a:r>
+              <a:rPr lang="en-US" sz="2400" dirty="0"/>
+              <a:t>The dataset contains a target value (</a:t>
+            </a:r>
+            <a:r>
+              <a:rPr lang="en-US" sz="2400" dirty="0" err="1"/>
+              <a:t>is_fraud</a:t>
+            </a:r>
+            <a:r>
+              <a:rPr lang="en-US" sz="2400" dirty="0"/>
+              <a:t>). Two methods for fraud detection. </a:t>
+            </a:r>
+          </a:p>
+          <a:p>
+            <a:r>
+              <a:rPr lang="en-US" sz="2400" dirty="0"/>
+              <a:t>1. Supervised Machine Learning</a:t>
+            </a:r>
+          </a:p>
+          <a:p>
+            <a:pPr lvl="1"/>
+            <a:r>
+              <a:rPr lang="en-US" sz="2000" dirty="0"/>
+              <a:t>Use existing and derived columns to establish a model predicting </a:t>
+            </a:r>
+            <a:r>
+              <a:rPr lang="en-US" sz="2000" dirty="0" err="1"/>
+              <a:t>is_fraud</a:t>
+            </a:r>
+            <a:r>
+              <a:rPr lang="en-US" sz="2000" dirty="0"/>
+              <a:t>. </a:t>
+            </a:r>
+          </a:p>
+          <a:p>
+            <a:pPr lvl="1"/>
+            <a:r>
+              <a:rPr lang="en-US" sz="2000" dirty="0"/>
+              <a:t>Concern: this method only identifies known fraud types; vulnerable to new fraud types</a:t>
+            </a:r>
+          </a:p>
+          <a:p>
+            <a:r>
+              <a:rPr lang="en-US" sz="2400" dirty="0"/>
+              <a:t>2. Unsupervised Machine Learning</a:t>
+            </a:r>
+          </a:p>
+          <a:p>
+            <a:pPr lvl="1"/>
+            <a:r>
+              <a:rPr lang="en-US" sz="2000" dirty="0"/>
+              <a:t>Ignore fraud class; use existing and derived columns to group transactions by similarities; identify fraud by those transactions which are not similar to norm</a:t>
+            </a:r>
+          </a:p>
+          <a:p>
+            <a:pPr lvl="1"/>
+            <a:endParaRPr lang="en-US" sz="2000" dirty="0"/>
+          </a:p>
+        </p:txBody>
+      </p:sp>
+    </p:spTree>
+    <p:extLst>
+      <p:ext uri="{BB962C8B-B14F-4D97-AF65-F5344CB8AC3E}">
+        <p14:creationId xmlns:p14="http://schemas.microsoft.com/office/powerpoint/2010/main" val="2413163581"/>
+      </p:ext>
+    </p:extLst>
+  </p:cSld>
+  <p:clrMapOvr>
+    <a:masterClrMapping/>
+  </p:clrMapOvr>
+</p:sld>
+</file>
+
+<file path=ppt/slides/slide11.xml><?xml version="1.0" encoding="utf-8"?>
+<p:sld xmlns:a="http://schemas.openxmlformats.org/drawingml/2006/main" xmlns:r="http://schemas.openxmlformats.org/officeDocument/2006/relationships" xmlns:p="http://schemas.openxmlformats.org/presentationml/2006/main">
+  <p:cSld>
+    <p:spTree>
+      <p:nvGrpSpPr>
+        <p:cNvPr id="1" name=""/>
+        <p:cNvGrpSpPr/>
+        <p:nvPr/>
+      </p:nvGrpSpPr>
+      <p:grpSpPr>
+        <a:xfrm>
+          <a:off x="0" y="0"/>
+          <a:ext cx="0" cy="0"/>
+          <a:chOff x="0" y="0"/>
+          <a:chExt cx="0" cy="0"/>
+        </a:xfrm>
+      </p:grpSpPr>
+      <p:sp>
+        <p:nvSpPr>
+          <p:cNvPr id="6" name="Text Placeholder 5">
+            <a:extLst>
+              <a:ext uri="{FF2B5EF4-FFF2-40B4-BE49-F238E27FC236}">
+                <a16:creationId xmlns:a16="http://schemas.microsoft.com/office/drawing/2014/main" id="{386F48B3-85EA-4354-B046-40C116C15E12}"/>
+              </a:ext>
+            </a:extLst>
+          </p:cNvPr>
+          <p:cNvSpPr>
+            <a:spLocks noGrp="1"/>
+          </p:cNvSpPr>
+          <p:nvPr>
+            <p:ph type="body" idx="1"/>
+          </p:nvPr>
+        </p:nvSpPr>
+        <p:spPr/>
+        <p:txBody>
+          <a:bodyPr/>
+          <a:lstStyle/>
+          <a:p>
+            <a:endParaRPr lang="en-US" dirty="0"/>
+          </a:p>
+        </p:txBody>
+      </p:sp>
+      <p:sp>
+        <p:nvSpPr>
+          <p:cNvPr id="3" name="Slide Number Placeholder 2">
+            <a:extLst>
+              <a:ext uri="{FF2B5EF4-FFF2-40B4-BE49-F238E27FC236}">
+                <a16:creationId xmlns:a16="http://schemas.microsoft.com/office/drawing/2014/main" id="{88C0F4CC-DE6F-4355-A1D9-F2CEFF704FDE}"/>
+              </a:ext>
+            </a:extLst>
+          </p:cNvPr>
+          <p:cNvSpPr>
+            <a:spLocks noGrp="1"/>
+          </p:cNvSpPr>
+          <p:nvPr>
+            <p:ph type="sldNum" sz="quarter" idx="12"/>
+          </p:nvPr>
+        </p:nvSpPr>
+        <p:spPr/>
+        <p:txBody>
+          <a:bodyPr/>
+          <a:lstStyle/>
+          <a:p>
+            <a:fld id="{C263D6C4-4840-40CC-AC84-17E24B3B7BDE}" type="slidenum">
+              <a:rPr lang="en-US" noProof="0" smtClean="0"/>
+              <a:pPr/>
+              <a:t>11</a:t>
+            </a:fld>
+            <a:endParaRPr lang="en-US" noProof="0" dirty="0"/>
+          </a:p>
+        </p:txBody>
+      </p:sp>
+      <p:sp>
+        <p:nvSpPr>
+          <p:cNvPr id="5" name="Title 4">
+            <a:extLst>
+              <a:ext uri="{FF2B5EF4-FFF2-40B4-BE49-F238E27FC236}">
+                <a16:creationId xmlns:a16="http://schemas.microsoft.com/office/drawing/2014/main" id="{9840A557-1C9A-42D8-8172-FB852C1AE6BC}"/>
+              </a:ext>
+            </a:extLst>
+          </p:cNvPr>
+          <p:cNvSpPr>
+            <a:spLocks noGrp="1"/>
+          </p:cNvSpPr>
+          <p:nvPr>
+            <p:ph type="title"/>
+          </p:nvPr>
+        </p:nvSpPr>
+        <p:spPr/>
+        <p:txBody>
+          <a:bodyPr>
+            <a:normAutofit/>
+          </a:bodyPr>
+          <a:lstStyle/>
+          <a:p>
+            <a:r>
+              <a:rPr lang="en-US" dirty="0"/>
+              <a:t>Data Processing</a:t>
+            </a:r>
+          </a:p>
+        </p:txBody>
+      </p:sp>
+    </p:spTree>
+    <p:extLst>
+      <p:ext uri="{BB962C8B-B14F-4D97-AF65-F5344CB8AC3E}">
+        <p14:creationId xmlns:p14="http://schemas.microsoft.com/office/powerpoint/2010/main" val="2979776926"/>
+      </p:ext>
+    </p:extLst>
+  </p:cSld>
+  <p:clrMapOvr>
+    <a:masterClrMapping/>
+  </p:clrMapOvr>
+</p:sld>
+</file>
+
+<file path=ppt/slides/slide12.xml><?xml version="1.0" encoding="utf-8"?>
+<p:sld xmlns:a="http://schemas.openxmlformats.org/drawingml/2006/main" xmlns:r="http://schemas.openxmlformats.org/officeDocument/2006/relationships" xmlns:p="http://schemas.openxmlformats.org/presentationml/2006/main">
+  <p:cSld>
+    <p:spTree>
+      <p:nvGrpSpPr>
+        <p:cNvPr id="1" name=""/>
+        <p:cNvGrpSpPr/>
+        <p:nvPr/>
+      </p:nvGrpSpPr>
+      <p:grpSpPr>
+        <a:xfrm>
+          <a:off x="0" y="0"/>
+          <a:ext cx="0" cy="0"/>
+          <a:chOff x="0" y="0"/>
+          <a:chExt cx="0" cy="0"/>
+        </a:xfrm>
+      </p:grpSpPr>
+      <p:sp>
+        <p:nvSpPr>
+          <p:cNvPr id="2" name="Title 1">
+            <a:extLst>
+              <a:ext uri="{FF2B5EF4-FFF2-40B4-BE49-F238E27FC236}">
+                <a16:creationId xmlns:a16="http://schemas.microsoft.com/office/drawing/2014/main" id="{9446D0AE-570C-4DF8-867F-621B68F967F5}"/>
+              </a:ext>
+            </a:extLst>
+          </p:cNvPr>
+          <p:cNvSpPr>
+            <a:spLocks noGrp="1"/>
+          </p:cNvSpPr>
+          <p:nvPr>
+            <p:ph type="title"/>
+          </p:nvPr>
+        </p:nvSpPr>
+        <p:spPr>
+          <a:xfrm>
+            <a:off x="444500" y="542925"/>
+            <a:ext cx="11214100" cy="535531"/>
+          </a:xfrm>
+        </p:spPr>
+        <p:txBody>
+          <a:bodyPr/>
+          <a:lstStyle/>
+          <a:p>
+            <a:r>
+              <a:rPr lang="en-US" dirty="0"/>
+              <a:t>Dividing the dataset: real-world problem</a:t>
+            </a:r>
+          </a:p>
+        </p:txBody>
+      </p:sp>
+      <p:sp>
+        <p:nvSpPr>
+          <p:cNvPr id="3" name="Slide Number Placeholder 2">
+            <a:extLst>
+              <a:ext uri="{FF2B5EF4-FFF2-40B4-BE49-F238E27FC236}">
+                <a16:creationId xmlns:a16="http://schemas.microsoft.com/office/drawing/2014/main" id="{F5192823-9885-4B21-A79B-39E6900C1DD7}"/>
+              </a:ext>
+            </a:extLst>
+          </p:cNvPr>
+          <p:cNvSpPr>
+            <a:spLocks noGrp="1"/>
+          </p:cNvSpPr>
+          <p:nvPr>
+            <p:ph type="sldNum" sz="quarter" idx="12"/>
+          </p:nvPr>
+        </p:nvSpPr>
+        <p:spPr/>
+        <p:txBody>
+          <a:bodyPr/>
+          <a:lstStyle/>
+          <a:p>
+            <a:fld id="{C263D6C4-4840-40CC-AC84-17E24B3B7BDE}" type="slidenum">
+              <a:rPr lang="en-US" noProof="0" smtClean="0"/>
+              <a:pPr/>
+              <a:t>12</a:t>
+            </a:fld>
+            <a:endParaRPr lang="en-US" noProof="0" dirty="0"/>
+          </a:p>
+        </p:txBody>
+      </p:sp>
+      <p:sp>
+        <p:nvSpPr>
+          <p:cNvPr id="4" name="Content Placeholder 3">
+            <a:extLst>
+              <a:ext uri="{FF2B5EF4-FFF2-40B4-BE49-F238E27FC236}">
+                <a16:creationId xmlns:a16="http://schemas.microsoft.com/office/drawing/2014/main" id="{1689CF32-13B7-4FDF-8B1F-64AE754D557A}"/>
+              </a:ext>
+            </a:extLst>
+          </p:cNvPr>
+          <p:cNvSpPr>
+            <a:spLocks noGrp="1"/>
+          </p:cNvSpPr>
+          <p:nvPr>
+            <p:ph idx="1"/>
+          </p:nvPr>
+        </p:nvSpPr>
+        <p:spPr>
+          <a:xfrm>
+            <a:off x="443365" y="1484243"/>
+            <a:ext cx="11215235" cy="4692720"/>
+          </a:xfrm>
+        </p:spPr>
+        <p:txBody>
+          <a:bodyPr>
+            <a:normAutofit lnSpcReduction="10000"/>
+          </a:bodyPr>
+          <a:lstStyle/>
+          <a:p>
+            <a:r>
+              <a:rPr lang="en-US" sz="2400" dirty="0"/>
+              <a:t>In practice, </a:t>
+            </a:r>
+          </a:p>
+          <a:p>
+            <a:pPr lvl="1"/>
+            <a:r>
+              <a:rPr lang="en-US" sz="2000" dirty="0"/>
+              <a:t>Historical data -&gt; process, analyze, cross-validate -&gt; new data -&gt; add to historical data and improve analysis</a:t>
+            </a:r>
+          </a:p>
+          <a:p>
+            <a:pPr lvl="1"/>
+            <a:r>
+              <a:rPr lang="en-US" sz="2000" dirty="0"/>
+              <a:t>When cross-validating, no future data is attainable</a:t>
+            </a:r>
+          </a:p>
+          <a:p>
+            <a:r>
+              <a:rPr lang="en-US" sz="2400" dirty="0"/>
+              <a:t>Divide the data by time</a:t>
+            </a:r>
+          </a:p>
+          <a:p>
+            <a:pPr lvl="1"/>
+            <a:r>
+              <a:rPr lang="en-US" sz="2000" dirty="0"/>
+              <a:t>Total 2 years of data (01/01/2019 – 12/31/2020) [1.85m activities]</a:t>
+            </a:r>
+          </a:p>
+          <a:p>
+            <a:pPr lvl="1"/>
+            <a:r>
+              <a:rPr lang="en-US" sz="2000" dirty="0"/>
+              <a:t>First 1.5 years for analysis and cross-validation [1.32m activities]</a:t>
+            </a:r>
+          </a:p>
+          <a:p>
+            <a:pPr lvl="1"/>
+            <a:r>
+              <a:rPr lang="en-US" sz="2000" dirty="0"/>
+              <a:t>Last 0.5 year as future data (test for model applications) [0.53m activities]</a:t>
+            </a:r>
+          </a:p>
+          <a:p>
+            <a:r>
+              <a:rPr lang="en-US" sz="2400" dirty="0"/>
+              <a:t>Imbalanced dataset</a:t>
+            </a:r>
+          </a:p>
+          <a:p>
+            <a:pPr lvl="1"/>
+            <a:r>
+              <a:rPr lang="en-US" sz="2000" dirty="0"/>
+              <a:t>In first 1.5 years: 7.6k fraud transactions (r. 0.57%); hard to over-sampling/under-sampling with bootstrapping</a:t>
+            </a:r>
+          </a:p>
+          <a:p>
+            <a:pPr lvl="1"/>
+            <a:r>
+              <a:rPr lang="en-US" sz="2000" dirty="0"/>
+              <a:t>Choose a different metrics in supervised models: Precision-Recall Curve</a:t>
+            </a:r>
+          </a:p>
+          <a:p>
+            <a:pPr lvl="1"/>
+            <a:r>
+              <a:rPr lang="en-US" sz="2000" dirty="0"/>
+              <a:t>Apply stratified k-fold cross-validation</a:t>
+            </a:r>
+          </a:p>
+          <a:p>
+            <a:pPr lvl="1"/>
+            <a:r>
+              <a:rPr lang="en-US" sz="2000" dirty="0"/>
+              <a:t>Add class weight in classification models</a:t>
+            </a:r>
+          </a:p>
+          <a:p>
+            <a:pPr lvl="1"/>
+            <a:endParaRPr lang="en-US" sz="2000" dirty="0"/>
+          </a:p>
+          <a:p>
+            <a:endParaRPr lang="en-US" sz="2400" dirty="0"/>
+          </a:p>
+        </p:txBody>
+      </p:sp>
+    </p:spTree>
+    <p:extLst>
+      <p:ext uri="{BB962C8B-B14F-4D97-AF65-F5344CB8AC3E}">
+        <p14:creationId xmlns:p14="http://schemas.microsoft.com/office/powerpoint/2010/main" val="2566816868"/>
+      </p:ext>
+    </p:extLst>
+  </p:cSld>
+  <p:clrMapOvr>
+    <a:masterClrMapping/>
+  </p:clrMapOvr>
+</p:sld>
+</file>
+
+<file path=ppt/slides/slide13.xml><?xml version="1.0" encoding="utf-8"?>
+<p:sld xmlns:a="http://schemas.openxmlformats.org/drawingml/2006/main" xmlns:r="http://schemas.openxmlformats.org/officeDocument/2006/relationships" xmlns:p="http://schemas.openxmlformats.org/presentationml/2006/main">
+  <p:cSld>
+    <p:spTree>
+      <p:nvGrpSpPr>
+        <p:cNvPr id="1" name=""/>
+        <p:cNvGrpSpPr/>
+        <p:nvPr/>
+      </p:nvGrpSpPr>
+      <p:grpSpPr>
+        <a:xfrm>
+          <a:off x="0" y="0"/>
+          <a:ext cx="0" cy="0"/>
+          <a:chOff x="0" y="0"/>
+          <a:chExt cx="0" cy="0"/>
+        </a:xfrm>
+      </p:grpSpPr>
+      <p:sp>
+        <p:nvSpPr>
+          <p:cNvPr id="2" name="Title 1">
+            <a:extLst>
+              <a:ext uri="{FF2B5EF4-FFF2-40B4-BE49-F238E27FC236}">
                 <a16:creationId xmlns:a16="http://schemas.microsoft.com/office/drawing/2014/main" id="{62C5EEF0-245C-4501-97EB-CFFAFB1C712D}"/>
               </a:ext>
             </a:extLst>
@@ -25575,7 +26079,10 @@
           <a:bodyPr/>
           <a:lstStyle/>
           <a:p>
-            <a:endParaRPr lang="en-US"/>
+            <a:r>
+              <a:rPr lang="en-US" dirty="0"/>
+              <a:t>Profiling based on transactions</a:t>
+            </a:r>
           </a:p>
         </p:txBody>
       </p:sp>
@@ -25603,7 +26110,7 @@
             <a:fld id="{C263D6C4-4840-40CC-AC84-17E24B3B7BDE}" type="slidenum">
               <a:rPr lang="en-US" noProof="0" smtClean="0"/>
               <a:pPr/>
-              <a:t>10</a:t>
+              <a:t>13</a:t>
             </a:fld>
             <a:endParaRPr lang="en-US" noProof="0" dirty="0"/>
           </a:p>
@@ -25627,10 +26134,94 @@
         </p:nvSpPr>
         <p:spPr/>
         <p:txBody>
-          <a:bodyPr/>
+          <a:bodyPr>
+            <a:normAutofit fontScale="92500" lnSpcReduction="10000"/>
+          </a:bodyPr>
           <a:lstStyle/>
           <a:p>
-            <a:endParaRPr lang="en-US"/>
+            <a:r>
+              <a:rPr lang="en-US" sz="2400" dirty="0"/>
+              <a:t>Create derived variables for each card</a:t>
+            </a:r>
+          </a:p>
+          <a:p>
+            <a:r>
+              <a:rPr lang="en-US" sz="2400" dirty="0"/>
+              <a:t>Transaction amount: </a:t>
+            </a:r>
+          </a:p>
+          <a:p>
+            <a:pPr lvl="1"/>
+            <a:r>
+              <a:rPr lang="en-US" sz="2000" dirty="0"/>
+              <a:t>Thresholds for each card: extreme, high, medium, low</a:t>
+            </a:r>
+          </a:p>
+          <a:p>
+            <a:r>
+              <a:rPr lang="en-US" sz="2400" dirty="0"/>
+              <a:t>Transaction address location</a:t>
+            </a:r>
+          </a:p>
+          <a:p>
+            <a:pPr lvl="1"/>
+            <a:r>
+              <a:rPr lang="en-US" sz="2000" dirty="0"/>
+              <a:t>Compare card holder’s living address (latitude and longitude) and merchant location</a:t>
+            </a:r>
+          </a:p>
+          <a:p>
+            <a:pPr lvl="1"/>
+            <a:r>
+              <a:rPr lang="en-US" sz="2000" dirty="0"/>
+              <a:t>Divide transaction into local, national and international</a:t>
+            </a:r>
+          </a:p>
+          <a:p>
+            <a:r>
+              <a:rPr lang="en-US" sz="2400" dirty="0"/>
+              <a:t>Transaction datetime</a:t>
+            </a:r>
+          </a:p>
+          <a:p>
+            <a:pPr lvl="1"/>
+            <a:r>
+              <a:rPr lang="en-US" sz="2000" dirty="0"/>
+              <a:t>Weekday: Mon, Tue, ..., Sun</a:t>
+            </a:r>
+          </a:p>
+          <a:p>
+            <a:pPr lvl="1"/>
+            <a:r>
+              <a:rPr lang="en-US" sz="2000" dirty="0"/>
+              <a:t>Time of a day: morning, afternoon, evening, midnight</a:t>
+            </a:r>
+          </a:p>
+          <a:p>
+            <a:r>
+              <a:rPr lang="en-US" sz="2400" dirty="0"/>
+              <a:t>Product type</a:t>
+            </a:r>
+          </a:p>
+          <a:p>
+            <a:pPr lvl="1"/>
+            <a:r>
+              <a:rPr lang="en-US" sz="2000" dirty="0"/>
+              <a:t>No exact product type, approximated by merchant category</a:t>
+            </a:r>
+          </a:p>
+          <a:p>
+            <a:pPr lvl="1"/>
+            <a:r>
+              <a:rPr lang="en-US" sz="2000" dirty="0"/>
+              <a:t>Create dummy variables for modeling</a:t>
+            </a:r>
+          </a:p>
+          <a:p>
+            <a:endParaRPr lang="en-US" sz="2400" dirty="0"/>
+          </a:p>
+          <a:p>
+            <a:endParaRPr lang="en-US" sz="2400" dirty="0"/>
           </a:p>
         </p:txBody>
       </p:sp>
@@ -25647,7 +26238,206 @@
 </p:sld>
 </file>
 
-<file path=ppt/slides/slide11.xml><?xml version="1.0" encoding="utf-8"?>
+<file path=ppt/slides/slide14.xml><?xml version="1.0" encoding="utf-8"?>
+<p:sld xmlns:a="http://schemas.openxmlformats.org/drawingml/2006/main" xmlns:r="http://schemas.openxmlformats.org/officeDocument/2006/relationships" xmlns:p="http://schemas.openxmlformats.org/presentationml/2006/main">
+  <p:cSld>
+    <p:spTree>
+      <p:nvGrpSpPr>
+        <p:cNvPr id="1" name=""/>
+        <p:cNvGrpSpPr/>
+        <p:nvPr/>
+      </p:nvGrpSpPr>
+      <p:grpSpPr>
+        <a:xfrm>
+          <a:off x="0" y="0"/>
+          <a:ext cx="0" cy="0"/>
+          <a:chOff x="0" y="0"/>
+          <a:chExt cx="0" cy="0"/>
+        </a:xfrm>
+      </p:grpSpPr>
+      <p:sp>
+        <p:nvSpPr>
+          <p:cNvPr id="2" name="Title 1">
+            <a:extLst>
+              <a:ext uri="{FF2B5EF4-FFF2-40B4-BE49-F238E27FC236}">
+                <a16:creationId xmlns:a16="http://schemas.microsoft.com/office/drawing/2014/main" id="{92055DE1-D25A-475F-8EF0-F5CF21F5ECC9}"/>
+              </a:ext>
+            </a:extLst>
+          </p:cNvPr>
+          <p:cNvSpPr>
+            <a:spLocks noGrp="1"/>
+          </p:cNvSpPr>
+          <p:nvPr>
+            <p:ph type="title"/>
+          </p:nvPr>
+        </p:nvSpPr>
+        <p:spPr/>
+        <p:txBody>
+          <a:bodyPr/>
+          <a:lstStyle/>
+          <a:p>
+            <a:r>
+              <a:rPr lang="en-US" dirty="0"/>
+              <a:t>Labeling Transaction Amount</a:t>
+            </a:r>
+          </a:p>
+        </p:txBody>
+      </p:sp>
+      <p:sp>
+        <p:nvSpPr>
+          <p:cNvPr id="3" name="Slide Number Placeholder 2">
+            <a:extLst>
+              <a:ext uri="{FF2B5EF4-FFF2-40B4-BE49-F238E27FC236}">
+                <a16:creationId xmlns:a16="http://schemas.microsoft.com/office/drawing/2014/main" id="{4E64E460-37C6-4BCC-8C4A-85CBEBF65771}"/>
+              </a:ext>
+            </a:extLst>
+          </p:cNvPr>
+          <p:cNvSpPr>
+            <a:spLocks noGrp="1"/>
+          </p:cNvSpPr>
+          <p:nvPr>
+            <p:ph type="sldNum" sz="quarter" idx="12"/>
+          </p:nvPr>
+        </p:nvSpPr>
+        <p:spPr/>
+        <p:txBody>
+          <a:bodyPr/>
+          <a:lstStyle/>
+          <a:p>
+            <a:fld id="{C263D6C4-4840-40CC-AC84-17E24B3B7BDE}" type="slidenum">
+              <a:rPr lang="en-US" noProof="0" smtClean="0"/>
+              <a:pPr/>
+              <a:t>14</a:t>
+            </a:fld>
+            <a:endParaRPr lang="en-US" noProof="0" dirty="0"/>
+          </a:p>
+        </p:txBody>
+      </p:sp>
+      <p:pic>
+        <p:nvPicPr>
+          <p:cNvPr id="6" name="Content Placeholder 5" descr="Chart, scatter chart&#10;&#10;Description automatically generated">
+            <a:extLst>
+              <a:ext uri="{FF2B5EF4-FFF2-40B4-BE49-F238E27FC236}">
+                <a16:creationId xmlns:a16="http://schemas.microsoft.com/office/drawing/2014/main" id="{3B2DD4A6-9BCF-4683-82EB-35C891099ED0}"/>
+              </a:ext>
+            </a:extLst>
+          </p:cNvPr>
+          <p:cNvPicPr>
+            <a:picLocks noGrp="1" noChangeAspect="1"/>
+          </p:cNvPicPr>
+          <p:nvPr>
+            <p:ph sz="half" idx="1"/>
+          </p:nvPr>
+        </p:nvPicPr>
+        <p:blipFill>
+          <a:blip r:embed="rId2"/>
+          <a:stretch>
+            <a:fillRect/>
+          </a:stretch>
+        </p:blipFill>
+        <p:spPr>
+          <a:xfrm>
+            <a:off x="442913" y="1911117"/>
+            <a:ext cx="5184775" cy="3872378"/>
+          </a:xfrm>
+        </p:spPr>
+      </p:pic>
+      <p:sp>
+        <p:nvSpPr>
+          <p:cNvPr id="7" name="Content Placeholder 6">
+            <a:extLst>
+              <a:ext uri="{FF2B5EF4-FFF2-40B4-BE49-F238E27FC236}">
+                <a16:creationId xmlns:a16="http://schemas.microsoft.com/office/drawing/2014/main" id="{C78C865E-4ABB-4858-A7E1-331CEC2F82FD}"/>
+              </a:ext>
+            </a:extLst>
+          </p:cNvPr>
+          <p:cNvSpPr>
+            <a:spLocks noGrp="1"/>
+          </p:cNvSpPr>
+          <p:nvPr>
+            <p:ph sz="half" idx="2"/>
+          </p:nvPr>
+        </p:nvSpPr>
+        <p:spPr/>
+        <p:txBody>
+          <a:bodyPr/>
+          <a:lstStyle/>
+          <a:p>
+            <a:r>
+              <a:rPr lang="en-US" dirty="0"/>
+              <a:t>Perform operation for each card number, assign four labels</a:t>
+            </a:r>
+          </a:p>
+          <a:p>
+            <a:r>
+              <a:rPr lang="en-US" dirty="0"/>
+              <a:t>3 – extreme</a:t>
+            </a:r>
+          </a:p>
+          <a:p>
+            <a:pPr lvl="1"/>
+            <a:r>
+              <a:rPr lang="en-US" dirty="0"/>
+              <a:t>Refers to extremely high transaction amount based on the card’s transaction history</a:t>
+            </a:r>
+          </a:p>
+          <a:p>
+            <a:pPr lvl="1"/>
+            <a:r>
+              <a:rPr lang="en-US" dirty="0"/>
+              <a:t>Finding outliers using Z-score</a:t>
+            </a:r>
+          </a:p>
+          <a:p>
+            <a:pPr lvl="2"/>
+            <a:r>
+              <a:rPr lang="en-US" dirty="0"/>
+              <a:t>Flag all points above μ+3</a:t>
+            </a:r>
+            <a:r>
+              <a:rPr lang="el-GR" dirty="0"/>
+              <a:t>σ</a:t>
+            </a:r>
+            <a:r>
+              <a:rPr lang="en-US" dirty="0"/>
+              <a:t> (68-98-99 for normal distribution)</a:t>
+            </a:r>
+          </a:p>
+          <a:p>
+            <a:r>
+              <a:rPr lang="en-US" dirty="0"/>
+              <a:t>0, 1, 2 – low, medium, high</a:t>
+            </a:r>
+          </a:p>
+          <a:p>
+            <a:pPr lvl="1"/>
+            <a:r>
+              <a:rPr lang="en-US" dirty="0"/>
+              <a:t>For the rest of the data, use k-means clustering on transaction amount, k=3</a:t>
+            </a:r>
+          </a:p>
+          <a:p>
+            <a:r>
+              <a:rPr lang="en-US" dirty="0"/>
+              <a:t>Figure to the left illustrates amount and its derived label for one card</a:t>
+            </a:r>
+          </a:p>
+        </p:txBody>
+      </p:sp>
+    </p:spTree>
+    <p:extLst>
+      <p:ext uri="{BB962C8B-B14F-4D97-AF65-F5344CB8AC3E}">
+        <p14:creationId xmlns:p14="http://schemas.microsoft.com/office/powerpoint/2010/main" val="822296938"/>
+      </p:ext>
+    </p:extLst>
+  </p:cSld>
+  <p:clrMapOvr>
+    <a:masterClrMapping/>
+  </p:clrMapOvr>
+</p:sld>
+</file>
+
+<file path=ppt/slides/slide15.xml><?xml version="1.0" encoding="utf-8"?>
 <p:sld xmlns:a="http://schemas.openxmlformats.org/drawingml/2006/main" xmlns:r="http://schemas.openxmlformats.org/officeDocument/2006/relationships" xmlns:p="http://schemas.openxmlformats.org/presentationml/2006/main">
   <p:cSld>
     <p:spTree>
@@ -25685,7 +26475,10 @@
           <a:bodyPr/>
           <a:lstStyle/>
           <a:p>
-            <a:endParaRPr lang="en-US"/>
+            <a:r>
+              <a:rPr lang="en-US" dirty="0"/>
+              <a:t>Profiling based on transactions</a:t>
+            </a:r>
           </a:p>
         </p:txBody>
       </p:sp>
@@ -25713,7 +26506,7 @@
             <a:fld id="{C263D6C4-4840-40CC-AC84-17E24B3B7BDE}" type="slidenum">
               <a:rPr lang="en-US" noProof="0" smtClean="0"/>
               <a:pPr/>
-              <a:t>11</a:t>
+              <a:t>15</a:t>
             </a:fld>
             <a:endParaRPr lang="en-US" noProof="0" dirty="0"/>
           </a:p>
@@ -25737,10 +26530,37 @@
         </p:nvSpPr>
         <p:spPr/>
         <p:txBody>
-          <a:bodyPr/>
+          <a:bodyPr>
+            <a:normAutofit/>
+          </a:bodyPr>
           <a:lstStyle/>
           <a:p>
-            <a:endParaRPr lang="en-US"/>
+            <a:r>
+              <a:rPr lang="en-US" sz="2400" dirty="0"/>
+              <a:t>Transaction pattern for each card is profiled: summarized into categorical variables</a:t>
+            </a:r>
+          </a:p>
+          <a:p>
+            <a:r>
+              <a:rPr lang="en-US" sz="2400" dirty="0"/>
+              <a:t>Goal: run individual models on each card</a:t>
+            </a:r>
+          </a:p>
+          <a:p>
+            <a:r>
+              <a:rPr lang="en-US" sz="2400" dirty="0"/>
+              <a:t>Profiling by customer vs profiling by card</a:t>
+            </a:r>
+          </a:p>
+          <a:p>
+            <a:pPr lvl="1"/>
+            <a:r>
+              <a:rPr lang="en-US" sz="2000" dirty="0"/>
+              <a:t>One customer may treat cards differently: for example, one would buy more accommodation products with travel cards (more cashback on travel) and more commodity with shopping cards</a:t>
+            </a:r>
+          </a:p>
+          <a:p>
+            <a:endParaRPr lang="en-US" sz="2400" dirty="0"/>
           </a:p>
         </p:txBody>
       </p:sp>
@@ -25757,7 +26577,244 @@
 </p:sld>
 </file>
 
-<file path=ppt/slides/slide12.xml><?xml version="1.0" encoding="utf-8"?>
+<file path=ppt/slides/slide16.xml><?xml version="1.0" encoding="utf-8"?>
+<p:sld xmlns:a="http://schemas.openxmlformats.org/drawingml/2006/main" xmlns:r="http://schemas.openxmlformats.org/officeDocument/2006/relationships" xmlns:p="http://schemas.openxmlformats.org/presentationml/2006/main">
+  <p:cSld>
+    <p:spTree>
+      <p:nvGrpSpPr>
+        <p:cNvPr id="1" name=""/>
+        <p:cNvGrpSpPr/>
+        <p:nvPr/>
+      </p:nvGrpSpPr>
+      <p:grpSpPr>
+        <a:xfrm>
+          <a:off x="0" y="0"/>
+          <a:ext cx="0" cy="0"/>
+          <a:chOff x="0" y="0"/>
+          <a:chExt cx="0" cy="0"/>
+        </a:xfrm>
+      </p:grpSpPr>
+      <p:sp>
+        <p:nvSpPr>
+          <p:cNvPr id="2" name="Title 1">
+            <a:extLst>
+              <a:ext uri="{FF2B5EF4-FFF2-40B4-BE49-F238E27FC236}">
+                <a16:creationId xmlns:a16="http://schemas.microsoft.com/office/drawing/2014/main" id="{12CF7D3B-42AE-43B6-A2AD-89C5746F9CA6}"/>
+              </a:ext>
+            </a:extLst>
+          </p:cNvPr>
+          <p:cNvSpPr>
+            <a:spLocks noGrp="1"/>
+          </p:cNvSpPr>
+          <p:nvPr>
+            <p:ph type="title"/>
+          </p:nvPr>
+        </p:nvSpPr>
+        <p:spPr/>
+        <p:txBody>
+          <a:bodyPr/>
+          <a:lstStyle/>
+          <a:p>
+            <a:r>
+              <a:rPr lang="en-US" dirty="0"/>
+              <a:t>Risk-to-Fraud</a:t>
+            </a:r>
+          </a:p>
+        </p:txBody>
+      </p:sp>
+      <p:sp>
+        <p:nvSpPr>
+          <p:cNvPr id="3" name="Slide Number Placeholder 2">
+            <a:extLst>
+              <a:ext uri="{FF2B5EF4-FFF2-40B4-BE49-F238E27FC236}">
+                <a16:creationId xmlns:a16="http://schemas.microsoft.com/office/drawing/2014/main" id="{C6C32A57-D121-4DC3-9455-0636ADD53C53}"/>
+              </a:ext>
+            </a:extLst>
+          </p:cNvPr>
+          <p:cNvSpPr>
+            <a:spLocks noGrp="1"/>
+          </p:cNvSpPr>
+          <p:nvPr>
+            <p:ph type="sldNum" sz="quarter" idx="12"/>
+          </p:nvPr>
+        </p:nvSpPr>
+        <p:spPr/>
+        <p:txBody>
+          <a:bodyPr/>
+          <a:lstStyle/>
+          <a:p>
+            <a:fld id="{C263D6C4-4840-40CC-AC84-17E24B3B7BDE}" type="slidenum">
+              <a:rPr lang="en-US" noProof="0" smtClean="0"/>
+              <a:pPr/>
+              <a:t>16</a:t>
+            </a:fld>
+            <a:endParaRPr lang="en-US" noProof="0" dirty="0"/>
+          </a:p>
+        </p:txBody>
+      </p:sp>
+      <p:sp>
+        <p:nvSpPr>
+          <p:cNvPr id="4" name="Content Placeholder 3">
+            <a:extLst>
+              <a:ext uri="{FF2B5EF4-FFF2-40B4-BE49-F238E27FC236}">
+                <a16:creationId xmlns:a16="http://schemas.microsoft.com/office/drawing/2014/main" id="{4AB09F36-1C7A-4318-940C-758BC5700793}"/>
+              </a:ext>
+            </a:extLst>
+          </p:cNvPr>
+          <p:cNvSpPr>
+            <a:spLocks noGrp="1"/>
+          </p:cNvSpPr>
+          <p:nvPr>
+            <p:ph idx="1"/>
+          </p:nvPr>
+        </p:nvSpPr>
+        <p:spPr/>
+        <p:txBody>
+          <a:bodyPr>
+            <a:normAutofit/>
+          </a:bodyPr>
+          <a:lstStyle/>
+          <a:p>
+            <a:r>
+              <a:rPr lang="en-US" sz="2400" dirty="0"/>
+              <a:t>Association between customer demographics and frauds</a:t>
+            </a:r>
+          </a:p>
+          <a:p>
+            <a:r>
+              <a:rPr lang="en-US" sz="2400" dirty="0"/>
+              <a:t>Association between merchants and frauds</a:t>
+            </a:r>
+          </a:p>
+        </p:txBody>
+      </p:sp>
+    </p:spTree>
+    <p:extLst>
+      <p:ext uri="{BB962C8B-B14F-4D97-AF65-F5344CB8AC3E}">
+        <p14:creationId xmlns:p14="http://schemas.microsoft.com/office/powerpoint/2010/main" val="702652762"/>
+      </p:ext>
+    </p:extLst>
+  </p:cSld>
+  <p:clrMapOvr>
+    <a:masterClrMapping/>
+  </p:clrMapOvr>
+</p:sld>
+</file>
+
+<file path=ppt/slides/slide17.xml><?xml version="1.0" encoding="utf-8"?>
+<p:sld xmlns:a="http://schemas.openxmlformats.org/drawingml/2006/main" xmlns:r="http://schemas.openxmlformats.org/officeDocument/2006/relationships" xmlns:p="http://schemas.openxmlformats.org/presentationml/2006/main">
+  <p:cSld>
+    <p:spTree>
+      <p:nvGrpSpPr>
+        <p:cNvPr id="1" name=""/>
+        <p:cNvGrpSpPr/>
+        <p:nvPr/>
+      </p:nvGrpSpPr>
+      <p:grpSpPr>
+        <a:xfrm>
+          <a:off x="0" y="0"/>
+          <a:ext cx="0" cy="0"/>
+          <a:chOff x="0" y="0"/>
+          <a:chExt cx="0" cy="0"/>
+        </a:xfrm>
+      </p:grpSpPr>
+      <p:sp>
+        <p:nvSpPr>
+          <p:cNvPr id="6" name="Text Placeholder 5">
+            <a:extLst>
+              <a:ext uri="{FF2B5EF4-FFF2-40B4-BE49-F238E27FC236}">
+                <a16:creationId xmlns:a16="http://schemas.microsoft.com/office/drawing/2014/main" id="{E202F889-C4D9-4749-8FB2-96A6F167DD50}"/>
+              </a:ext>
+            </a:extLst>
+          </p:cNvPr>
+          <p:cNvSpPr>
+            <a:spLocks noGrp="1"/>
+          </p:cNvSpPr>
+          <p:nvPr>
+            <p:ph type="body" idx="1"/>
+          </p:nvPr>
+        </p:nvSpPr>
+        <p:spPr/>
+        <p:txBody>
+          <a:bodyPr/>
+          <a:lstStyle/>
+          <a:p>
+            <a:endParaRPr lang="en-US"/>
+          </a:p>
+        </p:txBody>
+      </p:sp>
+      <p:sp>
+        <p:nvSpPr>
+          <p:cNvPr id="3" name="Slide Number Placeholder 2">
+            <a:extLst>
+              <a:ext uri="{FF2B5EF4-FFF2-40B4-BE49-F238E27FC236}">
+                <a16:creationId xmlns:a16="http://schemas.microsoft.com/office/drawing/2014/main" id="{98B106A8-31A8-4E23-AE06-CDB49D3C893D}"/>
+              </a:ext>
+            </a:extLst>
+          </p:cNvPr>
+          <p:cNvSpPr>
+            <a:spLocks noGrp="1"/>
+          </p:cNvSpPr>
+          <p:nvPr>
+            <p:ph type="sldNum" sz="quarter" idx="12"/>
+          </p:nvPr>
+        </p:nvSpPr>
+        <p:spPr/>
+        <p:txBody>
+          <a:bodyPr/>
+          <a:lstStyle/>
+          <a:p>
+            <a:fld id="{C263D6C4-4840-40CC-AC84-17E24B3B7BDE}" type="slidenum">
+              <a:rPr lang="en-US" noProof="0" smtClean="0"/>
+              <a:pPr/>
+              <a:t>17</a:t>
+            </a:fld>
+            <a:endParaRPr lang="en-US" noProof="0" dirty="0"/>
+          </a:p>
+        </p:txBody>
+      </p:sp>
+      <p:sp>
+        <p:nvSpPr>
+          <p:cNvPr id="5" name="Title 4">
+            <a:extLst>
+              <a:ext uri="{FF2B5EF4-FFF2-40B4-BE49-F238E27FC236}">
+                <a16:creationId xmlns:a16="http://schemas.microsoft.com/office/drawing/2014/main" id="{985B2DDC-C02F-4EB6-BA65-A8B4DF717ED4}"/>
+              </a:ext>
+            </a:extLst>
+          </p:cNvPr>
+          <p:cNvSpPr>
+            <a:spLocks noGrp="1"/>
+          </p:cNvSpPr>
+          <p:nvPr>
+            <p:ph type="title"/>
+          </p:nvPr>
+        </p:nvSpPr>
+        <p:spPr/>
+        <p:txBody>
+          <a:bodyPr/>
+          <a:lstStyle/>
+          <a:p>
+            <a:r>
+              <a:rPr lang="en-US" dirty="0"/>
+              <a:t>Modeling and Analysis</a:t>
+            </a:r>
+          </a:p>
+        </p:txBody>
+      </p:sp>
+    </p:spTree>
+    <p:extLst>
+      <p:ext uri="{BB962C8B-B14F-4D97-AF65-F5344CB8AC3E}">
+        <p14:creationId xmlns:p14="http://schemas.microsoft.com/office/powerpoint/2010/main" val="933396846"/>
+      </p:ext>
+    </p:extLst>
+  </p:cSld>
+  <p:clrMapOvr>
+    <a:masterClrMapping/>
+  </p:clrMapOvr>
+</p:sld>
+</file>
+
+<file path=ppt/slides/slide18.xml><?xml version="1.0" encoding="utf-8"?>
 <p:sld xmlns:a="http://schemas.openxmlformats.org/drawingml/2006/main" xmlns:r="http://schemas.openxmlformats.org/officeDocument/2006/relationships" xmlns:p="http://schemas.openxmlformats.org/presentationml/2006/main">
   <p:cSld>
     <p:spTree>
@@ -25795,7 +26852,10 @@
           <a:bodyPr/>
           <a:lstStyle/>
           <a:p>
-            <a:endParaRPr lang="en-US"/>
+            <a:r>
+              <a:rPr lang="en-US" dirty="0"/>
+              <a:t>Modeling</a:t>
+            </a:r>
           </a:p>
         </p:txBody>
       </p:sp>
@@ -25823,7 +26883,7 @@
             <a:fld id="{C263D6C4-4840-40CC-AC84-17E24B3B7BDE}" type="slidenum">
               <a:rPr lang="en-US" noProof="0" smtClean="0"/>
               <a:pPr/>
-              <a:t>12</a:t>
+              <a:t>18</a:t>
             </a:fld>
             <a:endParaRPr lang="en-US" noProof="0" dirty="0"/>
           </a:p>
@@ -25845,12 +26905,131 @@
             <p:ph idx="1"/>
           </p:nvPr>
         </p:nvSpPr>
-        <p:spPr/>
+        <p:spPr>
+          <a:xfrm>
+            <a:off x="443365" y="1325217"/>
+            <a:ext cx="11215235" cy="4851746"/>
+          </a:xfrm>
+        </p:spPr>
         <p:txBody>
-          <a:bodyPr/>
+          <a:bodyPr>
+            <a:normAutofit/>
+          </a:bodyPr>
           <a:lstStyle/>
           <a:p>
-            <a:endParaRPr lang="en-US"/>
+            <a:r>
+              <a:rPr lang="en-US" sz="2000" dirty="0"/>
+              <a:t>Card profiling</a:t>
+            </a:r>
+          </a:p>
+          <a:p>
+            <a:pPr lvl="1"/>
+            <a:r>
+              <a:rPr lang="en-US" sz="1800" dirty="0"/>
+              <a:t>Model 1: Random forest (set of models)</a:t>
+            </a:r>
+          </a:p>
+          <a:p>
+            <a:pPr lvl="2"/>
+            <a:r>
+              <a:rPr lang="en-US" sz="1400" dirty="0"/>
+              <a:t>Dataset: subset of </a:t>
+            </a:r>
+          </a:p>
+          <a:p>
+            <a:pPr lvl="2"/>
+            <a:r>
+              <a:rPr lang="en-US" sz="1400" dirty="0"/>
+              <a:t>Dependent: fraud class (1, 0); Independent: amount label, address label, weekday label, time label, category dummies</a:t>
+            </a:r>
+          </a:p>
+          <a:p>
+            <a:r>
+              <a:rPr lang="en-US" sz="2000" dirty="0"/>
+              <a:t>Customer and merchant risk-to-fraud</a:t>
+            </a:r>
+          </a:p>
+          <a:p>
+            <a:pPr lvl="1"/>
+            <a:r>
+              <a:rPr lang="en-US" sz="1800" dirty="0"/>
+              <a:t>Model 2: High risk customers</a:t>
+            </a:r>
+          </a:p>
+          <a:p>
+            <a:pPr lvl="2"/>
+            <a:r>
+              <a:rPr lang="en-US" sz="1400" dirty="0"/>
+              <a:t>Dependent: probability of fraud cases; Independent: customer demographics</a:t>
+            </a:r>
+          </a:p>
+          <a:p>
+            <a:pPr lvl="1"/>
+            <a:r>
+              <a:rPr lang="en-US" sz="1800" dirty="0"/>
+              <a:t>Model 3: High risk merchants</a:t>
+            </a:r>
+          </a:p>
+          <a:p>
+            <a:pPr lvl="2"/>
+            <a:r>
+              <a:rPr lang="en-US" sz="1400" dirty="0"/>
+              <a:t>Dependent: probability of fraud cases; Independent: merchant information</a:t>
+            </a:r>
+          </a:p>
+          <a:p>
+            <a:r>
+              <a:rPr lang="en-US" sz="2000" dirty="0"/>
+              <a:t>Finalize modeling</a:t>
+            </a:r>
+          </a:p>
+          <a:p>
+            <a:pPr lvl="1"/>
+            <a:r>
+              <a:rPr lang="en-US" sz="1600" dirty="0"/>
+              <a:t>For each transaction: </a:t>
+            </a:r>
+          </a:p>
+          <a:p>
+            <a:pPr marL="457200" lvl="1" indent="0">
+              <a:buNone/>
+            </a:pPr>
+            <a:r>
+              <a:rPr lang="en-US" sz="1600" dirty="0"/>
+              <a:t>Use model 1 to calculate the probability of fraud from card profile (transaction pattern)</a:t>
+            </a:r>
+          </a:p>
+          <a:p>
+            <a:pPr marL="457200" lvl="1" indent="0">
+              <a:buNone/>
+            </a:pPr>
+            <a:r>
+              <a:rPr lang="en-US" sz="1600" dirty="0"/>
+              <a:t>Use model 2 to obtain the probability of high-risk customers (from coefficients)</a:t>
+            </a:r>
+          </a:p>
+          <a:p>
+            <a:pPr marL="457200" lvl="1" indent="0">
+              <a:buNone/>
+            </a:pPr>
+            <a:r>
+              <a:rPr lang="en-US" sz="1600" dirty="0"/>
+              <a:t>Use model 3 to obtain the probability of high-risk merchants </a:t>
+            </a:r>
+          </a:p>
+          <a:p>
+            <a:pPr lvl="1"/>
+            <a:r>
+              <a:rPr lang="en-US" sz="1600" dirty="0"/>
+              <a:t>Run final model:</a:t>
+            </a:r>
+          </a:p>
+          <a:p>
+            <a:pPr lvl="2"/>
+            <a:r>
+              <a:rPr lang="en-US" sz="1400" dirty="0"/>
+              <a:t>Dependent: fraud class (1,0); independent: profile fraud prob, customer risk prob, merchant risk prob</a:t>
+            </a:r>
           </a:p>
         </p:txBody>
       </p:sp>
@@ -25858,6 +27037,116 @@
     <p:extLst>
       <p:ext uri="{BB962C8B-B14F-4D97-AF65-F5344CB8AC3E}">
         <p14:creationId xmlns:p14="http://schemas.microsoft.com/office/powerpoint/2010/main" val="4055499532"/>
+      </p:ext>
+    </p:extLst>
+  </p:cSld>
+  <p:clrMapOvr>
+    <a:masterClrMapping/>
+  </p:clrMapOvr>
+</p:sld>
+</file>
+
+<file path=ppt/slides/slide19.xml><?xml version="1.0" encoding="utf-8"?>
+<p:sld xmlns:a="http://schemas.openxmlformats.org/drawingml/2006/main" xmlns:r="http://schemas.openxmlformats.org/officeDocument/2006/relationships" xmlns:p="http://schemas.openxmlformats.org/presentationml/2006/main">
+  <p:cSld>
+    <p:spTree>
+      <p:nvGrpSpPr>
+        <p:cNvPr id="1" name=""/>
+        <p:cNvGrpSpPr/>
+        <p:nvPr/>
+      </p:nvGrpSpPr>
+      <p:grpSpPr>
+        <a:xfrm>
+          <a:off x="0" y="0"/>
+          <a:ext cx="0" cy="0"/>
+          <a:chOff x="0" y="0"/>
+          <a:chExt cx="0" cy="0"/>
+        </a:xfrm>
+      </p:grpSpPr>
+      <p:sp>
+        <p:nvSpPr>
+          <p:cNvPr id="2" name="Title 1">
+            <a:extLst>
+              <a:ext uri="{FF2B5EF4-FFF2-40B4-BE49-F238E27FC236}">
+                <a16:creationId xmlns:a16="http://schemas.microsoft.com/office/drawing/2014/main" id="{4ABB4D40-3AB8-4654-AB85-7A1C479922DC}"/>
+              </a:ext>
+            </a:extLst>
+          </p:cNvPr>
+          <p:cNvSpPr>
+            <a:spLocks noGrp="1"/>
+          </p:cNvSpPr>
+          <p:nvPr>
+            <p:ph type="title"/>
+          </p:nvPr>
+        </p:nvSpPr>
+        <p:spPr/>
+        <p:txBody>
+          <a:bodyPr/>
+          <a:lstStyle/>
+          <a:p>
+            <a:endParaRPr lang="en-US"/>
+          </a:p>
+        </p:txBody>
+      </p:sp>
+      <p:sp>
+        <p:nvSpPr>
+          <p:cNvPr id="3" name="Slide Number Placeholder 2">
+            <a:extLst>
+              <a:ext uri="{FF2B5EF4-FFF2-40B4-BE49-F238E27FC236}">
+                <a16:creationId xmlns:a16="http://schemas.microsoft.com/office/drawing/2014/main" id="{5E0D50A1-F9FD-4421-8027-6A85D5D65D1E}"/>
+              </a:ext>
+            </a:extLst>
+          </p:cNvPr>
+          <p:cNvSpPr>
+            <a:spLocks noGrp="1"/>
+          </p:cNvSpPr>
+          <p:nvPr>
+            <p:ph type="sldNum" sz="quarter" idx="12"/>
+          </p:nvPr>
+        </p:nvSpPr>
+        <p:spPr/>
+        <p:txBody>
+          <a:bodyPr/>
+          <a:lstStyle/>
+          <a:p>
+            <a:fld id="{C263D6C4-4840-40CC-AC84-17E24B3B7BDE}" type="slidenum">
+              <a:rPr lang="en-US" noProof="0" smtClean="0"/>
+              <a:pPr/>
+              <a:t>19</a:t>
+            </a:fld>
+            <a:endParaRPr lang="en-US" noProof="0" dirty="0"/>
+          </a:p>
+        </p:txBody>
+      </p:sp>
+      <p:sp>
+        <p:nvSpPr>
+          <p:cNvPr id="4" name="Content Placeholder 3">
+            <a:extLst>
+              <a:ext uri="{FF2B5EF4-FFF2-40B4-BE49-F238E27FC236}">
+                <a16:creationId xmlns:a16="http://schemas.microsoft.com/office/drawing/2014/main" id="{912620AA-0FCC-4C3C-94DE-D8E7600B6A3B}"/>
+              </a:ext>
+            </a:extLst>
+          </p:cNvPr>
+          <p:cNvSpPr>
+            <a:spLocks noGrp="1"/>
+          </p:cNvSpPr>
+          <p:nvPr>
+            <p:ph idx="1"/>
+          </p:nvPr>
+        </p:nvSpPr>
+        <p:spPr/>
+        <p:txBody>
+          <a:bodyPr/>
+          <a:lstStyle/>
+          <a:p>
+            <a:endParaRPr lang="en-US"/>
+          </a:p>
+        </p:txBody>
+      </p:sp>
+    </p:spTree>
+    <p:extLst>
+      <p:ext uri="{BB962C8B-B14F-4D97-AF65-F5344CB8AC3E}">
+        <p14:creationId xmlns:p14="http://schemas.microsoft.com/office/powerpoint/2010/main" val="411518583"/>
       </p:ext>
     </p:extLst>
   </p:cSld>
@@ -25975,43 +27264,15 @@
             </a:r>
           </a:p>
           <a:p>
-            <a:pPr lvl="1"/>
-            <a:r>
-              <a:rPr lang="en-US" dirty="0"/>
-              <a:t>Columns and derived columns: customer profiling</a:t>
-            </a:r>
-          </a:p>
-          <a:p>
-            <a:pPr lvl="1"/>
-            <a:r>
-              <a:rPr lang="en-US" dirty="0"/>
-              <a:t>Real-world problem simulation</a:t>
-            </a:r>
-          </a:p>
-          <a:p>
             <a:r>
               <a:rPr lang="en-US" dirty="0"/>
               <a:t>Data processing</a:t>
             </a:r>
           </a:p>
           <a:p>
-            <a:pPr lvl="1"/>
-            <a:r>
-              <a:rPr lang="en-US" dirty="0"/>
-              <a:t>Statistical methods to process columns</a:t>
-            </a:r>
-          </a:p>
-          <a:p>
             <a:r>
               <a:rPr lang="en-US" dirty="0"/>
               <a:t>Modeling and analysis</a:t>
-            </a:r>
-          </a:p>
-          <a:p>
-            <a:pPr lvl="1"/>
-            <a:r>
-              <a:rPr lang="en-US" dirty="0"/>
-              <a:t>Machine learning: supervised vs unsupervised</a:t>
             </a:r>
           </a:p>
           <a:p>
@@ -26029,6 +27290,116 @@
     <p:extLst>
       <p:ext uri="{BB962C8B-B14F-4D97-AF65-F5344CB8AC3E}">
         <p14:creationId xmlns:p14="http://schemas.microsoft.com/office/powerpoint/2010/main" val="2041179250"/>
+      </p:ext>
+    </p:extLst>
+  </p:cSld>
+  <p:clrMapOvr>
+    <a:masterClrMapping/>
+  </p:clrMapOvr>
+</p:sld>
+</file>
+
+<file path=ppt/slides/slide20.xml><?xml version="1.0" encoding="utf-8"?>
+<p:sld xmlns:a="http://schemas.openxmlformats.org/drawingml/2006/main" xmlns:r="http://schemas.openxmlformats.org/officeDocument/2006/relationships" xmlns:p="http://schemas.openxmlformats.org/presentationml/2006/main">
+  <p:cSld>
+    <p:spTree>
+      <p:nvGrpSpPr>
+        <p:cNvPr id="1" name=""/>
+        <p:cNvGrpSpPr/>
+        <p:nvPr/>
+      </p:nvGrpSpPr>
+      <p:grpSpPr>
+        <a:xfrm>
+          <a:off x="0" y="0"/>
+          <a:ext cx="0" cy="0"/>
+          <a:chOff x="0" y="0"/>
+          <a:chExt cx="0" cy="0"/>
+        </a:xfrm>
+      </p:grpSpPr>
+      <p:sp>
+        <p:nvSpPr>
+          <p:cNvPr id="2" name="Title 1">
+            <a:extLst>
+              <a:ext uri="{FF2B5EF4-FFF2-40B4-BE49-F238E27FC236}">
+                <a16:creationId xmlns:a16="http://schemas.microsoft.com/office/drawing/2014/main" id="{555369B8-4713-4E86-9EA1-BE634F844C3B}"/>
+              </a:ext>
+            </a:extLst>
+          </p:cNvPr>
+          <p:cNvSpPr>
+            <a:spLocks noGrp="1"/>
+          </p:cNvSpPr>
+          <p:nvPr>
+            <p:ph type="title"/>
+          </p:nvPr>
+        </p:nvSpPr>
+        <p:spPr/>
+        <p:txBody>
+          <a:bodyPr/>
+          <a:lstStyle/>
+          <a:p>
+            <a:endParaRPr lang="en-US"/>
+          </a:p>
+        </p:txBody>
+      </p:sp>
+      <p:sp>
+        <p:nvSpPr>
+          <p:cNvPr id="3" name="Slide Number Placeholder 2">
+            <a:extLst>
+              <a:ext uri="{FF2B5EF4-FFF2-40B4-BE49-F238E27FC236}">
+                <a16:creationId xmlns:a16="http://schemas.microsoft.com/office/drawing/2014/main" id="{5C418AED-6CD1-4F68-9123-6476CBEC521B}"/>
+              </a:ext>
+            </a:extLst>
+          </p:cNvPr>
+          <p:cNvSpPr>
+            <a:spLocks noGrp="1"/>
+          </p:cNvSpPr>
+          <p:nvPr>
+            <p:ph type="sldNum" sz="quarter" idx="12"/>
+          </p:nvPr>
+        </p:nvSpPr>
+        <p:spPr/>
+        <p:txBody>
+          <a:bodyPr/>
+          <a:lstStyle/>
+          <a:p>
+            <a:fld id="{C263D6C4-4840-40CC-AC84-17E24B3B7BDE}" type="slidenum">
+              <a:rPr lang="en-US" noProof="0" smtClean="0"/>
+              <a:pPr/>
+              <a:t>20</a:t>
+            </a:fld>
+            <a:endParaRPr lang="en-US" noProof="0" dirty="0"/>
+          </a:p>
+        </p:txBody>
+      </p:sp>
+      <p:sp>
+        <p:nvSpPr>
+          <p:cNvPr id="4" name="Content Placeholder 3">
+            <a:extLst>
+              <a:ext uri="{FF2B5EF4-FFF2-40B4-BE49-F238E27FC236}">
+                <a16:creationId xmlns:a16="http://schemas.microsoft.com/office/drawing/2014/main" id="{3973AE75-F396-4C4E-8AE9-465997FD140E}"/>
+              </a:ext>
+            </a:extLst>
+          </p:cNvPr>
+          <p:cNvSpPr>
+            <a:spLocks noGrp="1"/>
+          </p:cNvSpPr>
+          <p:nvPr>
+            <p:ph idx="1"/>
+          </p:nvPr>
+        </p:nvSpPr>
+        <p:spPr/>
+        <p:txBody>
+          <a:bodyPr/>
+          <a:lstStyle/>
+          <a:p>
+            <a:endParaRPr lang="en-US"/>
+          </a:p>
+        </p:txBody>
+      </p:sp>
+    </p:spTree>
+    <p:extLst>
+      <p:ext uri="{BB962C8B-B14F-4D97-AF65-F5344CB8AC3E}">
+        <p14:creationId xmlns:p14="http://schemas.microsoft.com/office/powerpoint/2010/main" val="3607708145"/>
       </p:ext>
     </p:extLst>
   </p:cSld>
@@ -26277,15 +27648,7 @@
             <a:pPr lvl="1"/>
             <a:r>
               <a:rPr lang="en-US" sz="1600" dirty="0"/>
-              <a:t>Authorized fraudulent activities usually would not demonstrate vastly different trait; they could be tracked from both ends (card owner end: owner likely to be deceived; criminal end: suspicious payment </a:t>
-            </a:r>
-            <a:r>
-              <a:rPr lang="en-US" sz="1600" dirty="0" err="1"/>
-              <a:t>receipent</a:t>
-            </a:r>
-            <a:r>
-              <a:rPr lang="en-US" sz="1600" dirty="0"/>
-              <a:t>).</a:t>
+              <a:t>Authorized fraudulent activities usually would not demonstrate vastly different trait; they could be tracked from both ends (card owner end: owner likely to be deceived; criminal end: suspicious payment recipient).</a:t>
             </a:r>
           </a:p>
         </p:txBody>
@@ -26664,14 +28027,14 @@
             <p:ph idx="1"/>
             <p:extLst>
               <p:ext uri="{D42A27DB-BD31-4B8C-83A1-F6EECF244321}">
-                <p14:modId xmlns:p14="http://schemas.microsoft.com/office/powerpoint/2010/main" val="3824891411"/>
+                <p14:modId xmlns:p14="http://schemas.microsoft.com/office/powerpoint/2010/main" val="2098103844"/>
               </p:ext>
             </p:extLst>
           </p:nvPr>
         </p:nvGraphicFramePr>
         <p:xfrm>
-          <a:off x="442913" y="1825625"/>
-          <a:ext cx="11215686" cy="4038600"/>
+          <a:off x="442912" y="1825625"/>
+          <a:ext cx="10809288" cy="3576320"/>
         </p:xfrm>
         <a:graphic>
           <a:graphicData uri="http://schemas.openxmlformats.org/drawingml/2006/table">
@@ -26680,24 +28043,17 @@
                 <a:tableStyleId>{5C22544A-7EE6-4342-B048-85BDC9FD1C3A}</a:tableStyleId>
               </a:tblPr>
               <a:tblGrid>
-                <a:gridCol w="3738562">
+                <a:gridCol w="2220775">
                   <a:extLst>
                     <a:ext uri="{9D8B030D-6E8A-4147-A177-3AD203B41FA5}">
                       <a16:colId xmlns:a16="http://schemas.microsoft.com/office/drawing/2014/main" val="3884950671"/>
                     </a:ext>
                   </a:extLst>
                 </a:gridCol>
-                <a:gridCol w="3738562">
+                <a:gridCol w="8588513">
                   <a:extLst>
                     <a:ext uri="{9D8B030D-6E8A-4147-A177-3AD203B41FA5}">
                       <a16:colId xmlns:a16="http://schemas.microsoft.com/office/drawing/2014/main" val="482311459"/>
-                    </a:ext>
-                  </a:extLst>
-                </a:gridCol>
-                <a:gridCol w="3738562">
-                  <a:extLst>
-                    <a:ext uri="{9D8B030D-6E8A-4147-A177-3AD203B41FA5}">
-                      <a16:colId xmlns:a16="http://schemas.microsoft.com/office/drawing/2014/main" val="3181803985"/>
                     </a:ext>
                   </a:extLst>
                 </a:gridCol>
@@ -26710,7 +28066,7 @@
                     <a:p>
                       <a:r>
                         <a:rPr lang="en-US" dirty="0"/>
-                        <a:t>Type of Variable</a:t>
+                        <a:t>Variable Type</a:t>
                       </a:r>
                     </a:p>
                   </a:txBody>
@@ -26724,19 +28080,6 @@
                       <a:r>
                         <a:rPr lang="en-US" dirty="0"/>
                         <a:t>Variable name</a:t>
-                      </a:r>
-                    </a:p>
-                  </a:txBody>
-                  <a:tcPr/>
-                </a:tc>
-                <a:tc>
-                  <a:txBody>
-                    <a:bodyPr/>
-                    <a:lstStyle/>
-                    <a:p>
-                      <a:r>
-                        <a:rPr lang="en-US" dirty="0"/>
-                        <a:t>How to use</a:t>
                       </a:r>
                     </a:p>
                   </a:txBody>
@@ -26756,7 +28099,7 @@
                     <a:p>
                       <a:r>
                         <a:rPr lang="en-US" dirty="0"/>
-                        <a:t>Card owner profile information (transaction behavior)</a:t>
+                        <a:t>identifier</a:t>
                       </a:r>
                     </a:p>
                   </a:txBody>
@@ -26769,39 +28112,30 @@
                     <a:p>
                       <a:r>
                         <a:rPr lang="en-US" dirty="0"/>
-                        <a:t>transaction amount; </a:t>
+                        <a:t>“</a:t>
+                      </a:r>
+                      <a:r>
+                        <a:rPr lang="en-US" dirty="0" err="1"/>
+                        <a:t>cc_num</a:t>
+                      </a:r>
+                      <a:r>
+                        <a:rPr lang="en-US" dirty="0"/>
+                        <a:t>”: credit card number; identifier for each card</a:t>
                       </a:r>
                     </a:p>
                     <a:p>
                       <a:r>
                         <a:rPr lang="en-US" dirty="0"/>
-                        <a:t>transaction datetime</a:t>
+                        <a:t>“</a:t>
                       </a:r>
-                    </a:p>
-                    <a:p>
-                      <a:endParaRPr lang="en-US" dirty="0"/>
-                    </a:p>
-                  </a:txBody>
-                  <a:tcPr/>
-                </a:tc>
-                <a:tc>
-                  <a:txBody>
-                    <a:bodyPr/>
-                    <a:lstStyle/>
-                    <a:p>
+                      <a:r>
+                        <a:rPr lang="en-US" dirty="0" err="1"/>
+                        <a:t>trans_num</a:t>
+                      </a:r>
                       <a:r>
                         <a:rPr lang="en-US" dirty="0"/>
-                        <a:t>Amount compared to regular patten; </a:t>
+                        <a:t>”: transaction number; identified for each transaction record</a:t>
                       </a:r>
-                    </a:p>
-                    <a:p>
-                      <a:r>
-                        <a:rPr lang="en-US" dirty="0"/>
-                        <a:t>Frequency and recurring transaction; </a:t>
-                      </a:r>
-                    </a:p>
-                    <a:p>
-                      <a:endParaRPr lang="en-US" dirty="0"/>
                     </a:p>
                   </a:txBody>
                   <a:tcPr/>
@@ -26820,13 +28154,8 @@
                     <a:p>
                       <a:r>
                         <a:rPr lang="en-US" dirty="0"/>
-                        <a:t>Card owner </a:t>
+                        <a:t>Transaction details</a:t>
                       </a:r>
-                      <a:r>
-                        <a:rPr lang="en-US"/>
-                        <a:t>risk information</a:t>
-                      </a:r>
-                      <a:endParaRPr lang="en-US" dirty="0"/>
                     </a:p>
                   </a:txBody>
                   <a:tcPr/>
@@ -26838,23 +28167,42 @@
                     <a:p>
                       <a:r>
                         <a:rPr lang="en-US" dirty="0"/>
-                        <a:t>Card owner date of birth</a:t>
+                        <a:t>“</a:t>
+                      </a:r>
+                      <a:r>
+                        <a:rPr lang="en-US" dirty="0" err="1"/>
+                        <a:t>trans_date_trans_time</a:t>
+                      </a:r>
+                      <a:r>
+                        <a:rPr lang="en-US" dirty="0"/>
+                        <a:t>”: date and time of transaction</a:t>
                       </a:r>
                     </a:p>
                     <a:p>
                       <a:r>
                         <a:rPr lang="en-US" dirty="0"/>
-                        <a:t>Card owner job</a:t>
+                        <a:t>“amt”: amount of this transaction</a:t>
                       </a:r>
                     </a:p>
+                  </a:txBody>
+                  <a:tcPr/>
+                </a:tc>
+                <a:extLst>
+                  <a:ext uri="{0D108BD9-81ED-4DB2-BD59-A6C34878D82A}">
+                    <a16:rowId xmlns:a16="http://schemas.microsoft.com/office/drawing/2014/main" val="2840086167"/>
+                  </a:ext>
+                </a:extLst>
+              </a:tr>
+              <a:tr h="370840">
+                <a:tc>
+                  <a:txBody>
+                    <a:bodyPr/>
+                    <a:lstStyle/>
                     <a:p>
                       <a:r>
                         <a:rPr lang="en-US" dirty="0"/>
-                        <a:t>Card owner location and merchant location</a:t>
+                        <a:t>Customer information</a:t>
                       </a:r>
-                    </a:p>
-                    <a:p>
-                      <a:endParaRPr lang="en-US" dirty="0"/>
                     </a:p>
                   </a:txBody>
                   <a:tcPr/>
@@ -26864,21 +28212,46 @@
                     <a:bodyPr/>
                     <a:lstStyle/>
                     <a:p>
+                      <a:pPr marL="0" marR="0" lvl="0" indent="0" algn="l" defTabSz="914400" rtl="0" eaLnBrk="1" fontAlgn="auto" latinLnBrk="0" hangingPunct="1">
+                        <a:lnSpc>
+                          <a:spcPct val="100000"/>
+                        </a:lnSpc>
+                        <a:spcBef>
+                          <a:spcPts val="0"/>
+                        </a:spcBef>
+                        <a:spcAft>
+                          <a:spcPts val="0"/>
+                        </a:spcAft>
+                        <a:buClrTx/>
+                        <a:buSzTx/>
+                        <a:buFontTx/>
+                        <a:buNone/>
+                        <a:tabLst/>
+                        <a:defRPr/>
+                      </a:pPr>
                       <a:r>
                         <a:rPr lang="en-US" dirty="0"/>
-                        <a:t>Age; </a:t>
+                        <a:t>“first”, “last”: first name and last name of card holder</a:t>
                       </a:r>
                     </a:p>
                     <a:p>
                       <a:r>
                         <a:rPr lang="en-US" dirty="0"/>
-                        <a:t>Estimation of customer’s affordability</a:t>
+                        <a:t>“gender”, “job”, “dob”: gender, job and date of birth of card holder</a:t>
                       </a:r>
                     </a:p>
                     <a:p>
                       <a:r>
                         <a:rPr lang="en-US" dirty="0"/>
-                        <a:t>Purchasing pattern (going local or going online; consumption board)</a:t>
+                        <a:t>“street”, “city”, “state”, “zip”, “</a:t>
+                      </a:r>
+                      <a:r>
+                        <a:rPr lang="en-US" dirty="0" err="1"/>
+                        <a:t>lat</a:t>
+                      </a:r>
+                      <a:r>
+                        <a:rPr lang="en-US" dirty="0"/>
+                        <a:t>”, “long”: living address of card holder</a:t>
                       </a:r>
                     </a:p>
                   </a:txBody>
@@ -26886,7 +28259,7 @@
                 </a:tc>
                 <a:extLst>
                   <a:ext uri="{0D108BD9-81ED-4DB2-BD59-A6C34878D82A}">
-                    <a16:rowId xmlns:a16="http://schemas.microsoft.com/office/drawing/2014/main" val="2840086167"/>
+                    <a16:rowId xmlns:a16="http://schemas.microsoft.com/office/drawing/2014/main" val="3301330991"/>
                   </a:ext>
                 </a:extLst>
               </a:tr>
@@ -26911,7 +28284,49 @@
                     <a:p>
                       <a:r>
                         <a:rPr lang="en-US" dirty="0"/>
-                        <a:t>Merchant occurrence</a:t>
+                        <a:t>“merchant”, “category”: name and category of merchant</a:t>
+                      </a:r>
+                    </a:p>
+                    <a:p>
+                      <a:r>
+                        <a:rPr lang="en-US" dirty="0"/>
+                        <a:t>“</a:t>
+                      </a:r>
+                      <a:r>
+                        <a:rPr lang="en-US" dirty="0" err="1"/>
+                        <a:t>merch_lat</a:t>
+                      </a:r>
+                      <a:r>
+                        <a:rPr lang="en-US" dirty="0"/>
+                        <a:t>”, “</a:t>
+                      </a:r>
+                      <a:r>
+                        <a:rPr lang="en-US" dirty="0" err="1"/>
+                        <a:t>merch_long</a:t>
+                      </a:r>
+                      <a:r>
+                        <a:rPr lang="en-US" dirty="0"/>
+                        <a:t>: address of merchant</a:t>
+                      </a:r>
+                    </a:p>
+                  </a:txBody>
+                  <a:tcPr/>
+                </a:tc>
+                <a:extLst>
+                  <a:ext uri="{0D108BD9-81ED-4DB2-BD59-A6C34878D82A}">
+                    <a16:rowId xmlns:a16="http://schemas.microsoft.com/office/drawing/2014/main" val="103851858"/>
+                  </a:ext>
+                </a:extLst>
+              </a:tr>
+              <a:tr h="370840">
+                <a:tc>
+                  <a:txBody>
+                    <a:bodyPr/>
+                    <a:lstStyle/>
+                    <a:p>
+                      <a:r>
+                        <a:rPr lang="en-US" dirty="0"/>
+                        <a:t>Fraud information</a:t>
                       </a:r>
                     </a:p>
                   </a:txBody>
@@ -26924,7 +28339,15 @@
                     <a:p>
                       <a:r>
                         <a:rPr lang="en-US" dirty="0"/>
-                        <a:t>Trustworthiness of a merchant</a:t>
+                        <a:t>“</a:t>
+                      </a:r>
+                      <a:r>
+                        <a:rPr lang="en-US" dirty="0" err="1"/>
+                        <a:t>is_fraud</a:t>
+                      </a:r>
+                      <a:r>
+                        <a:rPr lang="en-US" dirty="0"/>
+                        <a:t>”: class to identify if this transaction is fraud or not</a:t>
                       </a:r>
                     </a:p>
                   </a:txBody>
@@ -26932,44 +28355,7 @@
                 </a:tc>
                 <a:extLst>
                   <a:ext uri="{0D108BD9-81ED-4DB2-BD59-A6C34878D82A}">
-                    <a16:rowId xmlns:a16="http://schemas.microsoft.com/office/drawing/2014/main" val="3301330991"/>
-                  </a:ext>
-                </a:extLst>
-              </a:tr>
-              <a:tr h="370840">
-                <a:tc>
-                  <a:txBody>
-                    <a:bodyPr/>
-                    <a:lstStyle/>
-                    <a:p>
-                      <a:endParaRPr lang="en-US"/>
-                    </a:p>
-                  </a:txBody>
-                  <a:tcPr/>
-                </a:tc>
-                <a:tc>
-                  <a:txBody>
-                    <a:bodyPr/>
-                    <a:lstStyle/>
-                    <a:p>
-                      <a:endParaRPr lang="en-US"/>
-                    </a:p>
-                  </a:txBody>
-                  <a:tcPr/>
-                </a:tc>
-                <a:tc>
-                  <a:txBody>
-                    <a:bodyPr/>
-                    <a:lstStyle/>
-                    <a:p>
-                      <a:endParaRPr lang="en-US" dirty="0"/>
-                    </a:p>
-                  </a:txBody>
-                  <a:tcPr/>
-                </a:tc>
-                <a:extLst>
-                  <a:ext uri="{0D108BD9-81ED-4DB2-BD59-A6C34878D82A}">
-                    <a16:rowId xmlns:a16="http://schemas.microsoft.com/office/drawing/2014/main" val="103851858"/>
+                    <a16:rowId xmlns:a16="http://schemas.microsoft.com/office/drawing/2014/main" val="1010069589"/>
                   </a:ext>
                 </a:extLst>
               </a:tr>
@@ -27009,10 +28395,65 @@
       </p:grpSpPr>
       <p:sp>
         <p:nvSpPr>
-          <p:cNvPr id="2" name="Title 1">
+          <p:cNvPr id="6" name="Text Placeholder 5">
             <a:extLst>
               <a:ext uri="{FF2B5EF4-FFF2-40B4-BE49-F238E27FC236}">
-                <a16:creationId xmlns:a16="http://schemas.microsoft.com/office/drawing/2014/main" id="{E93B85B6-33BB-45B2-AC3F-CFA045F7171E}"/>
+                <a16:creationId xmlns:a16="http://schemas.microsoft.com/office/drawing/2014/main" id="{F4B6F811-C04B-48B1-8B45-897B4F1BDEBD}"/>
+              </a:ext>
+            </a:extLst>
+          </p:cNvPr>
+          <p:cNvSpPr>
+            <a:spLocks noGrp="1"/>
+          </p:cNvSpPr>
+          <p:nvPr>
+            <p:ph type="body" idx="1"/>
+          </p:nvPr>
+        </p:nvSpPr>
+        <p:spPr/>
+        <p:txBody>
+          <a:bodyPr/>
+          <a:lstStyle/>
+          <a:p>
+            <a:endParaRPr lang="en-US"/>
+          </a:p>
+        </p:txBody>
+      </p:sp>
+      <p:sp>
+        <p:nvSpPr>
+          <p:cNvPr id="3" name="Slide Number Placeholder 2">
+            <a:extLst>
+              <a:ext uri="{FF2B5EF4-FFF2-40B4-BE49-F238E27FC236}">
+                <a16:creationId xmlns:a16="http://schemas.microsoft.com/office/drawing/2014/main" id="{DFB38D9D-0036-419A-A4CB-2953811DB81E}"/>
+              </a:ext>
+            </a:extLst>
+          </p:cNvPr>
+          <p:cNvSpPr>
+            <a:spLocks noGrp="1"/>
+          </p:cNvSpPr>
+          <p:nvPr>
+            <p:ph type="sldNum" sz="quarter" idx="12"/>
+          </p:nvPr>
+        </p:nvSpPr>
+        <p:spPr/>
+        <p:txBody>
+          <a:bodyPr/>
+          <a:lstStyle/>
+          <a:p>
+            <a:fld id="{C263D6C4-4840-40CC-AC84-17E24B3B7BDE}" type="slidenum">
+              <a:rPr lang="en-US" noProof="0" smtClean="0"/>
+              <a:pPr/>
+              <a:t>8</a:t>
+            </a:fld>
+            <a:endParaRPr lang="en-US" noProof="0" dirty="0"/>
+          </a:p>
+        </p:txBody>
+      </p:sp>
+      <p:sp>
+        <p:nvSpPr>
+          <p:cNvPr id="5" name="Title 4">
+            <a:extLst>
+              <a:ext uri="{FF2B5EF4-FFF2-40B4-BE49-F238E27FC236}">
+                <a16:creationId xmlns:a16="http://schemas.microsoft.com/office/drawing/2014/main" id="{3DC87CBF-B3E4-48A8-8D45-A8DD9DF35FD8}"/>
               </a:ext>
             </a:extLst>
           </p:cNvPr>
@@ -27030,128 +28471,15 @@
           <a:p>
             <a:r>
               <a:rPr lang="en-US" dirty="0"/>
-              <a:t>Agenda to tackle Fraud Detection</a:t>
+              <a:t>Data Processing</a:t>
             </a:r>
-          </a:p>
-        </p:txBody>
-      </p:sp>
-      <p:sp>
-        <p:nvSpPr>
-          <p:cNvPr id="3" name="Slide Number Placeholder 2">
-            <a:extLst>
-              <a:ext uri="{FF2B5EF4-FFF2-40B4-BE49-F238E27FC236}">
-                <a16:creationId xmlns:a16="http://schemas.microsoft.com/office/drawing/2014/main" id="{8E40220B-A43D-438E-9FC3-571BCB4C3734}"/>
-              </a:ext>
-            </a:extLst>
-          </p:cNvPr>
-          <p:cNvSpPr>
-            <a:spLocks noGrp="1"/>
-          </p:cNvSpPr>
-          <p:nvPr>
-            <p:ph type="sldNum" sz="quarter" idx="12"/>
-          </p:nvPr>
-        </p:nvSpPr>
-        <p:spPr/>
-        <p:txBody>
-          <a:bodyPr/>
-          <a:lstStyle/>
-          <a:p>
-            <a:fld id="{C263D6C4-4840-40CC-AC84-17E24B3B7BDE}" type="slidenum">
-              <a:rPr lang="en-US" noProof="0" smtClean="0"/>
-              <a:pPr/>
-              <a:t>8</a:t>
-            </a:fld>
-            <a:endParaRPr lang="en-US" noProof="0" dirty="0"/>
-          </a:p>
-        </p:txBody>
-      </p:sp>
-      <p:sp>
-        <p:nvSpPr>
-          <p:cNvPr id="4" name="Content Placeholder 3">
-            <a:extLst>
-              <a:ext uri="{FF2B5EF4-FFF2-40B4-BE49-F238E27FC236}">
-                <a16:creationId xmlns:a16="http://schemas.microsoft.com/office/drawing/2014/main" id="{D0621FA9-ADE3-4178-B329-A32CDCE1A0A0}"/>
-              </a:ext>
-            </a:extLst>
-          </p:cNvPr>
-          <p:cNvSpPr>
-            <a:spLocks noGrp="1"/>
-          </p:cNvSpPr>
-          <p:nvPr>
-            <p:ph idx="1"/>
-          </p:nvPr>
-        </p:nvSpPr>
-        <p:spPr/>
-        <p:txBody>
-          <a:bodyPr>
-            <a:normAutofit/>
-          </a:bodyPr>
-          <a:lstStyle/>
-          <a:p>
-            <a:r>
-              <a:rPr lang="en-US" sz="2400" dirty="0"/>
-              <a:t>The dataset contains a target value (</a:t>
-            </a:r>
-            <a:r>
-              <a:rPr lang="en-US" sz="2400" dirty="0" err="1"/>
-              <a:t>is_fraud</a:t>
-            </a:r>
-            <a:r>
-              <a:rPr lang="en-US" sz="2400" dirty="0"/>
-              <a:t>). Two methods for fraud detection. </a:t>
-            </a:r>
-          </a:p>
-          <a:p>
-            <a:r>
-              <a:rPr lang="en-US" sz="2400" dirty="0"/>
-              <a:t>1. Supervised Machine Learning</a:t>
-            </a:r>
-          </a:p>
-          <a:p>
-            <a:pPr lvl="1"/>
-            <a:r>
-              <a:rPr lang="en-US" sz="2000" dirty="0"/>
-              <a:t>Use existing and derived columns to establish a model predicting </a:t>
-            </a:r>
-            <a:r>
-              <a:rPr lang="en-US" sz="2000" dirty="0" err="1"/>
-              <a:t>is_fraud</a:t>
-            </a:r>
-            <a:r>
-              <a:rPr lang="en-US" sz="2000" dirty="0"/>
-              <a:t>. </a:t>
-            </a:r>
-          </a:p>
-          <a:p>
-            <a:pPr lvl="1"/>
-            <a:r>
-              <a:rPr lang="en-US" sz="2000" dirty="0"/>
-              <a:t>Concern: this method only identifies known fraud types; vulnerable to new fraud types</a:t>
-            </a:r>
-          </a:p>
-          <a:p>
-            <a:r>
-              <a:rPr lang="en-US" sz="2400" dirty="0"/>
-              <a:t>2. Unsupervised Machine Learning</a:t>
-            </a:r>
-          </a:p>
-          <a:p>
-            <a:pPr lvl="1"/>
-            <a:r>
-              <a:rPr lang="en-US" sz="2000" dirty="0"/>
-              <a:t>Ignore fraud class; use existing and derived columns to group transactions by similarities; identify fraud by those transactions which are not similar to norm</a:t>
-            </a:r>
-          </a:p>
-          <a:p>
-            <a:pPr lvl="1"/>
-            <a:endParaRPr lang="en-US" sz="2000" dirty="0"/>
           </a:p>
         </p:txBody>
       </p:sp>
     </p:spTree>
     <p:extLst>
       <p:ext uri="{BB962C8B-B14F-4D97-AF65-F5344CB8AC3E}">
-        <p14:creationId xmlns:p14="http://schemas.microsoft.com/office/powerpoint/2010/main" val="2413163581"/>
+        <p14:creationId xmlns:p14="http://schemas.microsoft.com/office/powerpoint/2010/main" val="453620803"/>
       </p:ext>
     </p:extLst>
   </p:cSld>
@@ -27180,10 +28508,10 @@
       </p:grpSpPr>
       <p:sp>
         <p:nvSpPr>
-          <p:cNvPr id="6" name="Text Placeholder 5">
+          <p:cNvPr id="2" name="Title 1">
             <a:extLst>
               <a:ext uri="{FF2B5EF4-FFF2-40B4-BE49-F238E27FC236}">
-                <a16:creationId xmlns:a16="http://schemas.microsoft.com/office/drawing/2014/main" id="{386F48B3-85EA-4354-B046-40C116C15E12}"/>
+                <a16:creationId xmlns:a16="http://schemas.microsoft.com/office/drawing/2014/main" id="{FBF79CDD-C676-46E6-AA95-6B037E696DB4}"/>
               </a:ext>
             </a:extLst>
           </p:cNvPr>
@@ -27191,7 +28519,7 @@
             <a:spLocks noGrp="1"/>
           </p:cNvSpPr>
           <p:nvPr>
-            <p:ph type="body" idx="1"/>
+            <p:ph type="title"/>
           </p:nvPr>
         </p:nvSpPr>
         <p:spPr/>
@@ -27199,7 +28527,10 @@
           <a:bodyPr/>
           <a:lstStyle/>
           <a:p>
-            <a:endParaRPr lang="en-US" dirty="0"/>
+            <a:r>
+              <a:rPr lang="en-US" dirty="0"/>
+              <a:t>Using the dataset</a:t>
+            </a:r>
           </a:p>
         </p:txBody>
       </p:sp>
@@ -27208,7 +28539,7 @@
           <p:cNvPr id="3" name="Slide Number Placeholder 2">
             <a:extLst>
               <a:ext uri="{FF2B5EF4-FFF2-40B4-BE49-F238E27FC236}">
-                <a16:creationId xmlns:a16="http://schemas.microsoft.com/office/drawing/2014/main" id="{88C0F4CC-DE6F-4355-A1D9-F2CEFF704FDE}"/>
+                <a16:creationId xmlns:a16="http://schemas.microsoft.com/office/drawing/2014/main" id="{916AF3F5-8780-401E-B30D-99EA9D7F78E1}"/>
               </a:ext>
             </a:extLst>
           </p:cNvPr>
@@ -27235,10 +28566,10 @@
       </p:sp>
       <p:sp>
         <p:nvSpPr>
-          <p:cNvPr id="5" name="Title 4">
+          <p:cNvPr id="4" name="Content Placeholder 3">
             <a:extLst>
               <a:ext uri="{FF2B5EF4-FFF2-40B4-BE49-F238E27FC236}">
-                <a16:creationId xmlns:a16="http://schemas.microsoft.com/office/drawing/2014/main" id="{9840A557-1C9A-42D8-8172-FB852C1AE6BC}"/>
+                <a16:creationId xmlns:a16="http://schemas.microsoft.com/office/drawing/2014/main" id="{8000674E-09F1-4141-A00A-29273509CB28}"/>
               </a:ext>
             </a:extLst>
           </p:cNvPr>
@@ -27246,26 +28577,80 @@
             <a:spLocks noGrp="1"/>
           </p:cNvSpPr>
           <p:nvPr>
-            <p:ph type="title"/>
+            <p:ph idx="1"/>
           </p:nvPr>
         </p:nvSpPr>
         <p:spPr/>
         <p:txBody>
           <a:bodyPr>
-            <a:normAutofit fontScale="90000"/>
+            <a:normAutofit/>
           </a:bodyPr>
           <a:lstStyle/>
           <a:p>
             <a:r>
-              <a:rPr lang="en-US" dirty="0"/>
-              <a:t>Data Processing: </a:t>
+              <a:rPr lang="en-US" sz="2400" dirty="0"/>
+              <a:t>Transaction profiling </a:t>
             </a:r>
-            <a:br>
-              <a:rPr lang="en-US" dirty="0"/>
-            </a:br>
+          </a:p>
+          <a:p>
+            <a:pPr lvl="1"/>
             <a:r>
-              <a:rPr lang="en-US" dirty="0"/>
-              <a:t>Transaction Activity Anomaly</a:t>
+              <a:rPr lang="en-US" sz="2000" dirty="0"/>
+              <a:t>Assumption: transaction patterns in one card is consistent, determined by the card owner. New transactions will likely follow old transaction patterns</a:t>
+            </a:r>
+          </a:p>
+          <a:p>
+            <a:pPr lvl="1"/>
+            <a:r>
+              <a:rPr lang="en-US" sz="2000" dirty="0"/>
+              <a:t>To-do: build a profile for each card; a profile of transaction habits</a:t>
+            </a:r>
+          </a:p>
+          <a:p>
+            <a:pPr lvl="1"/>
+            <a:r>
+              <a:rPr lang="en-US" sz="2000" dirty="0"/>
+              <a:t>Fraud: different transaction pattern could imply fraud; card could be operated by other people</a:t>
+            </a:r>
+          </a:p>
+          <a:p>
+            <a:r>
+              <a:rPr lang="en-US" sz="2400" dirty="0"/>
+              <a:t>High risk card holder</a:t>
+            </a:r>
+          </a:p>
+          <a:p>
+            <a:pPr lvl="1"/>
+            <a:r>
+              <a:rPr lang="en-US" sz="2000" dirty="0"/>
+              <a:t>Assumption: authorized frauds; some card holders are vulnerable to authorized frauds</a:t>
+            </a:r>
+          </a:p>
+          <a:p>
+            <a:pPr lvl="1"/>
+            <a:r>
+              <a:rPr lang="en-US" sz="2000" dirty="0"/>
+              <a:t>To-do: use card owner information</a:t>
+            </a:r>
+          </a:p>
+          <a:p>
+            <a:r>
+              <a:rPr lang="en-US" sz="2400" dirty="0"/>
+              <a:t>High risk merchant</a:t>
+            </a:r>
+          </a:p>
+          <a:p>
+            <a:pPr lvl="1"/>
+            <a:r>
+              <a:rPr lang="en-US" sz="2000" dirty="0"/>
+              <a:t>Assumption: some merchants are high-risk</a:t>
+            </a:r>
+          </a:p>
+          <a:p>
+            <a:pPr lvl="1"/>
+            <a:r>
+              <a:rPr lang="en-US" sz="2000" dirty="0"/>
+              <a:t>To-do: merchants that seldom show up; merchants highly associated with frauds</a:t>
             </a:r>
           </a:p>
         </p:txBody>
@@ -27273,7 +28658,7 @@
     </p:spTree>
     <p:extLst>
       <p:ext uri="{BB962C8B-B14F-4D97-AF65-F5344CB8AC3E}">
-        <p14:creationId xmlns:p14="http://schemas.microsoft.com/office/powerpoint/2010/main" val="2979776926"/>
+        <p14:creationId xmlns:p14="http://schemas.microsoft.com/office/powerpoint/2010/main" val="2706263965"/>
       </p:ext>
     </p:extLst>
   </p:cSld>
@@ -28083,15 +29468,6 @@
 </file>
 
 <file path=customXml/item2.xml><?xml version="1.0" encoding="utf-8"?>
-<?mso-contentType ?>
-<FormTemplates xmlns="http://schemas.microsoft.com/sharepoint/v3/contenttype/forms">
-  <Display>DocumentLibraryForm</Display>
-  <Edit>DocumentLibraryForm</Edit>
-  <New>DocumentLibraryForm</New>
-</FormTemplates>
-</file>
-
-<file path=customXml/item3.xml><?xml version="1.0" encoding="utf-8"?>
 <ct:contentTypeSchema xmlns:ct="http://schemas.microsoft.com/office/2006/metadata/contentType" xmlns:ma="http://schemas.microsoft.com/office/2006/metadata/properties/metaAttributes" ct:_="" ma:_="" ma:contentTypeName="Document" ma:contentTypeID="0x01010079F111ED35F8CC479449609E8A0923A6" ma:contentTypeVersion="11" ma:contentTypeDescription="Create a new document." ma:contentTypeScope="" ma:versionID="96291512c1ee715ab617f4c07df79fc1">
   <xsd:schema xmlns:xsd="http://www.w3.org/2001/XMLSchema" xmlns:xs="http://www.w3.org/2001/XMLSchema" xmlns:p="http://schemas.microsoft.com/office/2006/metadata/properties" xmlns:ns2="71af3243-3dd4-4a8d-8c0d-dd76da1f02a5" xmlns:ns3="16c05727-aa75-4e4a-9b5f-8a80a1165891" targetNamespace="http://schemas.microsoft.com/office/2006/metadata/properties" ma:root="true" ma:fieldsID="8256c27c40ca5c40ce1cf6c44f0205df" ns2:_="" ns3:_="">
     <xsd:import namespace="71af3243-3dd4-4a8d-8c0d-dd76da1f02a5"/>
@@ -28302,6 +29678,15 @@
 </ct:contentTypeSchema>
 </file>
 
+<file path=customXml/item3.xml><?xml version="1.0" encoding="utf-8"?>
+<?mso-contentType ?>
+<FormTemplates xmlns="http://schemas.microsoft.com/sharepoint/v3/contenttype/forms">
+  <Display>DocumentLibraryForm</Display>
+  <Edit>DocumentLibraryForm</Edit>
+  <New>DocumentLibraryForm</New>
+</FormTemplates>
+</file>
+
 <file path=customXml/itemProps1.xml><?xml version="1.0" encoding="utf-8"?>
 <ds:datastoreItem xmlns:ds="http://schemas.openxmlformats.org/officeDocument/2006/customXml" ds:itemID="{F5757914-1161-4661-9696-421FD6935CDD}">
   <ds:schemaRefs>
@@ -28313,14 +29698,6 @@
 </file>
 
 <file path=customXml/itemProps2.xml><?xml version="1.0" encoding="utf-8"?>
-<ds:datastoreItem xmlns:ds="http://schemas.openxmlformats.org/officeDocument/2006/customXml" ds:itemID="{5B26E0C9-B2AA-42E6-97B6-E1B7D9EAF129}">
-  <ds:schemaRefs>
-    <ds:schemaRef ds:uri="http://schemas.microsoft.com/sharepoint/v3/contenttype/forms"/>
-  </ds:schemaRefs>
-</ds:datastoreItem>
-</file>
-
-<file path=customXml/itemProps3.xml><?xml version="1.0" encoding="utf-8"?>
 <ds:datastoreItem xmlns:ds="http://schemas.openxmlformats.org/officeDocument/2006/customXml" ds:itemID="{4C103400-4A22-4E35-B588-4C4D42638959}">
   <ds:schemaRefs>
     <ds:schemaRef ds:uri="http://schemas.microsoft.com/office/2006/metadata/contentType"/>
@@ -28337,4 +29714,12 @@
     <ds:schemaRef ds:uri="http://schemas.microsoft.com/internal/obd"/>
   </ds:schemaRefs>
 </ds:datastoreItem>
+</file>
+
+<file path=customXml/itemProps3.xml><?xml version="1.0" encoding="utf-8"?>
+<ds:datastoreItem xmlns:ds="http://schemas.openxmlformats.org/officeDocument/2006/customXml" ds:itemID="{5B26E0C9-B2AA-42E6-97B6-E1B7D9EAF129}">
+  <ds:schemaRefs>
+    <ds:schemaRef ds:uri="http://schemas.microsoft.com/sharepoint/v3/contenttype/forms"/>
+  </ds:schemaRefs>
+</ds:datastoreItem>
 </file>
--- a/Fraud Detection.pptx
+++ b/Fraud Detection.pptx
@@ -422,7 +422,7 @@
           <a:p>
             <a:fld id="{090B78EA-28CE-41D8-9043-90E391E5F567}" type="datetimeFigureOut">
               <a:rPr lang="en-US" noProof="0" smtClean="0"/>
-              <a:t>11/3/2021</a:t>
+              <a:t>11/4/2021</a:t>
             </a:fld>
             <a:endParaRPr lang="en-US" noProof="0" dirty="0"/>
           </a:p>
@@ -25522,10 +25522,7 @@
             <a:pPr marL="0" indent="0">
               <a:buNone/>
             </a:pPr>
-            <a:r>
-              <a:rPr lang="en-US" dirty="0"/>
-              <a:t>Hanwei Guo</a:t>
-            </a:r>
+            <a:endParaRPr lang="en-US" dirty="0"/>
           </a:p>
         </p:txBody>
       </p:sp>
@@ -29460,14 +29457,6 @@
 </file>
 
 <file path=customXml/item1.xml><?xml version="1.0" encoding="utf-8"?>
-<p:properties xmlns:p="http://schemas.microsoft.com/office/2006/metadata/properties" xmlns:xsi="http://www.w3.org/2001/XMLSchema-instance" xmlns:pc="http://schemas.microsoft.com/office/infopath/2007/PartnerControls">
-  <documentManagement>
-    <MediaServiceKeyPoints xmlns="71af3243-3dd4-4a8d-8c0d-dd76da1f02a5" xsi:nil="true"/>
-  </documentManagement>
-</p:properties>
-</file>
-
-<file path=customXml/item2.xml><?xml version="1.0" encoding="utf-8"?>
 <ct:contentTypeSchema xmlns:ct="http://schemas.microsoft.com/office/2006/metadata/contentType" xmlns:ma="http://schemas.microsoft.com/office/2006/metadata/properties/metaAttributes" ct:_="" ma:_="" ma:contentTypeName="Document" ma:contentTypeID="0x01010079F111ED35F8CC479449609E8A0923A6" ma:contentTypeVersion="11" ma:contentTypeDescription="Create a new document." ma:contentTypeScope="" ma:versionID="96291512c1ee715ab617f4c07df79fc1">
   <xsd:schema xmlns:xsd="http://www.w3.org/2001/XMLSchema" xmlns:xs="http://www.w3.org/2001/XMLSchema" xmlns:p="http://schemas.microsoft.com/office/2006/metadata/properties" xmlns:ns2="71af3243-3dd4-4a8d-8c0d-dd76da1f02a5" xmlns:ns3="16c05727-aa75-4e4a-9b5f-8a80a1165891" targetNamespace="http://schemas.microsoft.com/office/2006/metadata/properties" ma:root="true" ma:fieldsID="8256c27c40ca5c40ce1cf6c44f0205df" ns2:_="" ns3:_="">
     <xsd:import namespace="71af3243-3dd4-4a8d-8c0d-dd76da1f02a5"/>
@@ -29678,6 +29667,14 @@
 </ct:contentTypeSchema>
 </file>
 
+<file path=customXml/item2.xml><?xml version="1.0" encoding="utf-8"?>
+<p:properties xmlns:p="http://schemas.microsoft.com/office/2006/metadata/properties" xmlns:xsi="http://www.w3.org/2001/XMLSchema-instance" xmlns:pc="http://schemas.microsoft.com/office/infopath/2007/PartnerControls">
+  <documentManagement>
+    <MediaServiceKeyPoints xmlns="71af3243-3dd4-4a8d-8c0d-dd76da1f02a5" xsi:nil="true"/>
+  </documentManagement>
+</p:properties>
+</file>
+
 <file path=customXml/item3.xml><?xml version="1.0" encoding="utf-8"?>
 <?mso-contentType ?>
 <FormTemplates xmlns="http://schemas.microsoft.com/sharepoint/v3/contenttype/forms">
@@ -29688,16 +29685,6 @@
 </file>
 
 <file path=customXml/itemProps1.xml><?xml version="1.0" encoding="utf-8"?>
-<ds:datastoreItem xmlns:ds="http://schemas.openxmlformats.org/officeDocument/2006/customXml" ds:itemID="{F5757914-1161-4661-9696-421FD6935CDD}">
-  <ds:schemaRefs>
-    <ds:schemaRef ds:uri="http://schemas.microsoft.com/office/2006/metadata/properties"/>
-    <ds:schemaRef ds:uri="http://schemas.microsoft.com/office/infopath/2007/PartnerControls"/>
-    <ds:schemaRef ds:uri="71af3243-3dd4-4a8d-8c0d-dd76da1f02a5"/>
-  </ds:schemaRefs>
-</ds:datastoreItem>
-</file>
-
-<file path=customXml/itemProps2.xml><?xml version="1.0" encoding="utf-8"?>
 <ds:datastoreItem xmlns:ds="http://schemas.openxmlformats.org/officeDocument/2006/customXml" ds:itemID="{4C103400-4A22-4E35-B588-4C4D42638959}">
   <ds:schemaRefs>
     <ds:schemaRef ds:uri="http://schemas.microsoft.com/office/2006/metadata/contentType"/>
@@ -29716,6 +29703,16 @@
 </ds:datastoreItem>
 </file>
 
+<file path=customXml/itemProps2.xml><?xml version="1.0" encoding="utf-8"?>
+<ds:datastoreItem xmlns:ds="http://schemas.openxmlformats.org/officeDocument/2006/customXml" ds:itemID="{F5757914-1161-4661-9696-421FD6935CDD}">
+  <ds:schemaRefs>
+    <ds:schemaRef ds:uri="http://schemas.microsoft.com/office/2006/metadata/properties"/>
+    <ds:schemaRef ds:uri="http://schemas.microsoft.com/office/infopath/2007/PartnerControls"/>
+    <ds:schemaRef ds:uri="71af3243-3dd4-4a8d-8c0d-dd76da1f02a5"/>
+  </ds:schemaRefs>
+</ds:datastoreItem>
+</file>
+
 <file path=customXml/itemProps3.xml><?xml version="1.0" encoding="utf-8"?>
 <ds:datastoreItem xmlns:ds="http://schemas.openxmlformats.org/officeDocument/2006/customXml" ds:itemID="{5B26E0C9-B2AA-42E6-97B6-E1B7D9EAF129}">
   <ds:schemaRefs>
